--- a/notes.pptx
+++ b/notes.pptx
@@ -24,7 +24,21 @@
     <p:sldId id="271" r:id="rId18"/>
     <p:sldId id="273" r:id="rId19"/>
     <p:sldId id="274" r:id="rId20"/>
-    <p:sldId id="275" r:id="rId21"/>
+    <p:sldId id="276" r:id="rId21"/>
+    <p:sldId id="277" r:id="rId22"/>
+    <p:sldId id="275" r:id="rId23"/>
+    <p:sldId id="278" r:id="rId24"/>
+    <p:sldId id="280" r:id="rId25"/>
+    <p:sldId id="279" r:id="rId26"/>
+    <p:sldId id="281" r:id="rId27"/>
+    <p:sldId id="282" r:id="rId28"/>
+    <p:sldId id="283" r:id="rId29"/>
+    <p:sldId id="284" r:id="rId30"/>
+    <p:sldId id="285" r:id="rId31"/>
+    <p:sldId id="286" r:id="rId32"/>
+    <p:sldId id="287" r:id="rId33"/>
+    <p:sldId id="288" r:id="rId34"/>
+    <p:sldId id="289" r:id="rId35"/>
   </p:sldIdLst>
   <p:sldSz cx="12192000" cy="6858000"/>
   <p:notesSz cx="6858000" cy="9144000"/>
@@ -278,7 +292,7 @@
           <a:p>
             <a:fld id="{E83A7598-A4C4-4FEB-965E-2652C4C17652}" type="datetimeFigureOut">
               <a:rPr lang="en-US" smtClean="0"/>
-              <a:t>3/23/2020</a:t>
+              <a:t>4/1/2020</a:t>
             </a:fld>
             <a:endParaRPr lang="en-US"/>
           </a:p>
@@ -476,7 +490,7 @@
           <a:p>
             <a:fld id="{E83A7598-A4C4-4FEB-965E-2652C4C17652}" type="datetimeFigureOut">
               <a:rPr lang="en-US" smtClean="0"/>
-              <a:t>3/23/2020</a:t>
+              <a:t>4/1/2020</a:t>
             </a:fld>
             <a:endParaRPr lang="en-US"/>
           </a:p>
@@ -684,7 +698,7 @@
           <a:p>
             <a:fld id="{E83A7598-A4C4-4FEB-965E-2652C4C17652}" type="datetimeFigureOut">
               <a:rPr lang="en-US" smtClean="0"/>
-              <a:t>3/23/2020</a:t>
+              <a:t>4/1/2020</a:t>
             </a:fld>
             <a:endParaRPr lang="en-US"/>
           </a:p>
@@ -882,7 +896,7 @@
           <a:p>
             <a:fld id="{E83A7598-A4C4-4FEB-965E-2652C4C17652}" type="datetimeFigureOut">
               <a:rPr lang="en-US" smtClean="0"/>
-              <a:t>3/23/2020</a:t>
+              <a:t>4/1/2020</a:t>
             </a:fld>
             <a:endParaRPr lang="en-US"/>
           </a:p>
@@ -1157,7 +1171,7 @@
           <a:p>
             <a:fld id="{E83A7598-A4C4-4FEB-965E-2652C4C17652}" type="datetimeFigureOut">
               <a:rPr lang="en-US" smtClean="0"/>
-              <a:t>3/23/2020</a:t>
+              <a:t>4/1/2020</a:t>
             </a:fld>
             <a:endParaRPr lang="en-US"/>
           </a:p>
@@ -1422,7 +1436,7 @@
           <a:p>
             <a:fld id="{E83A7598-A4C4-4FEB-965E-2652C4C17652}" type="datetimeFigureOut">
               <a:rPr lang="en-US" smtClean="0"/>
-              <a:t>3/23/2020</a:t>
+              <a:t>4/1/2020</a:t>
             </a:fld>
             <a:endParaRPr lang="en-US"/>
           </a:p>
@@ -1834,7 +1848,7 @@
           <a:p>
             <a:fld id="{E83A7598-A4C4-4FEB-965E-2652C4C17652}" type="datetimeFigureOut">
               <a:rPr lang="en-US" smtClean="0"/>
-              <a:t>3/23/2020</a:t>
+              <a:t>4/1/2020</a:t>
             </a:fld>
             <a:endParaRPr lang="en-US"/>
           </a:p>
@@ -1975,7 +1989,7 @@
           <a:p>
             <a:fld id="{E83A7598-A4C4-4FEB-965E-2652C4C17652}" type="datetimeFigureOut">
               <a:rPr lang="en-US" smtClean="0"/>
-              <a:t>3/23/2020</a:t>
+              <a:t>4/1/2020</a:t>
             </a:fld>
             <a:endParaRPr lang="en-US"/>
           </a:p>
@@ -2088,7 +2102,7 @@
           <a:p>
             <a:fld id="{E83A7598-A4C4-4FEB-965E-2652C4C17652}" type="datetimeFigureOut">
               <a:rPr lang="en-US" smtClean="0"/>
-              <a:t>3/23/2020</a:t>
+              <a:t>4/1/2020</a:t>
             </a:fld>
             <a:endParaRPr lang="en-US"/>
           </a:p>
@@ -2399,7 +2413,7 @@
           <a:p>
             <a:fld id="{E83A7598-A4C4-4FEB-965E-2652C4C17652}" type="datetimeFigureOut">
               <a:rPr lang="en-US" smtClean="0"/>
-              <a:t>3/23/2020</a:t>
+              <a:t>4/1/2020</a:t>
             </a:fld>
             <a:endParaRPr lang="en-US"/>
           </a:p>
@@ -2687,7 +2701,7 @@
           <a:p>
             <a:fld id="{E83A7598-A4C4-4FEB-965E-2652C4C17652}" type="datetimeFigureOut">
               <a:rPr lang="en-US" smtClean="0"/>
-              <a:t>3/23/2020</a:t>
+              <a:t>4/1/2020</a:t>
             </a:fld>
             <a:endParaRPr lang="en-US"/>
           </a:p>
@@ -2928,7 +2942,7 @@
           <a:p>
             <a:fld id="{E83A7598-A4C4-4FEB-965E-2652C4C17652}" type="datetimeFigureOut">
               <a:rPr lang="en-US" smtClean="0"/>
-              <a:t>3/23/2020</a:t>
+              <a:t>4/1/2020</a:t>
             </a:fld>
             <a:endParaRPr lang="en-US"/>
           </a:p>
@@ -6896,30 +6910,54 @@
           <a:lstStyle/>
           <a:p>
             <a:r>
-              <a:rPr lang="en-US" dirty="0"/>
+              <a:rPr lang="en-US" dirty="0">
+                <a:highlight>
+                  <a:srgbClr val="FFFF00"/>
+                </a:highlight>
+              </a:rPr>
               <a:t>Why image not appeared?</a:t>
             </a:r>
           </a:p>
           <a:p>
             <a:pPr lvl="1"/>
             <a:r>
-              <a:rPr lang="en-US" dirty="0"/>
+              <a:rPr lang="en-US" dirty="0">
+                <a:highlight>
+                  <a:srgbClr val="FFFF00"/>
+                </a:highlight>
+              </a:rPr>
               <a:t>Resource (</a:t>
             </a:r>
             <a:r>
-              <a:rPr lang="en-US" dirty="0" err="1"/>
+              <a:rPr lang="en-US" dirty="0" err="1">
+                <a:highlight>
+                  <a:srgbClr val="FFFF00"/>
+                </a:highlight>
+              </a:rPr>
               <a:t>img</a:t>
             </a:r>
             <a:r>
-              <a:rPr lang="en-US" dirty="0"/>
+              <a:rPr lang="en-US" dirty="0">
+                <a:highlight>
+                  <a:srgbClr val="FFFF00"/>
+                </a:highlight>
+              </a:rPr>
               <a:t>, </a:t>
             </a:r>
             <a:r>
-              <a:rPr lang="en-US" dirty="0" err="1"/>
+              <a:rPr lang="en-US" dirty="0" err="1">
+                <a:highlight>
+                  <a:srgbClr val="FFFF00"/>
+                </a:highlight>
+              </a:rPr>
               <a:t>css</a:t>
             </a:r>
             <a:r>
-              <a:rPr lang="en-US" dirty="0"/>
+              <a:rPr lang="en-US" dirty="0">
+                <a:highlight>
+                  <a:srgbClr val="FFFF00"/>
+                </a:highlight>
+              </a:rPr>
               <a:t>, Js,….)</a:t>
             </a:r>
           </a:p>
@@ -7194,7 +7232,7 @@
           <p:cNvPr id="2" name="Title 1">
             <a:extLst>
               <a:ext uri="{FF2B5EF4-FFF2-40B4-BE49-F238E27FC236}">
-                <a16:creationId xmlns:a16="http://schemas.microsoft.com/office/drawing/2014/main" id="{ABBF02EA-FF28-4697-9A08-F7ECFD784A37}"/>
+                <a16:creationId xmlns:a16="http://schemas.microsoft.com/office/drawing/2014/main" id="{144764DF-5CD4-4B1D-954E-85ACC695AFDC}"/>
               </a:ext>
             </a:extLst>
           </p:cNvPr>
@@ -7212,7 +7250,7 @@
           <a:p>
             <a:r>
               <a:rPr lang="en-US" dirty="0"/>
-              <a:t>Spring REST</a:t>
+              <a:t>Spring Validation</a:t>
             </a:r>
           </a:p>
         </p:txBody>
@@ -7222,7 +7260,7 @@
           <p:cNvPr id="3" name="Content Placeholder 2">
             <a:extLst>
               <a:ext uri="{FF2B5EF4-FFF2-40B4-BE49-F238E27FC236}">
-                <a16:creationId xmlns:a16="http://schemas.microsoft.com/office/drawing/2014/main" id="{BF063156-1A12-47CD-A995-AB39F5DDAC31}"/>
+                <a16:creationId xmlns:a16="http://schemas.microsoft.com/office/drawing/2014/main" id="{CDC6AF4D-7F51-4D8F-8B2D-FDC04569833A}"/>
               </a:ext>
             </a:extLst>
           </p:cNvPr>
@@ -7238,7 +7276,460 @@
           <a:bodyPr/>
           <a:lstStyle/>
           <a:p>
-            <a:endParaRPr lang="en-US"/>
+            <a:r>
+              <a:rPr lang="en-US" dirty="0"/>
+              <a:t>Container Validation </a:t>
+            </a:r>
+            <a:r>
+              <a:rPr lang="en-US" dirty="0">
+                <a:sym typeface="Wingdings" panose="05000000000000000000" pitchFamily="2" charset="2"/>
+              </a:rPr>
+              <a:t> Server Side</a:t>
+            </a:r>
+            <a:endParaRPr lang="en-US" dirty="0"/>
+          </a:p>
+          <a:p>
+            <a:r>
+              <a:rPr lang="en-US" dirty="0">
+                <a:highlight>
+                  <a:srgbClr val="FFFF00"/>
+                </a:highlight>
+              </a:rPr>
+              <a:t>AJAX validation </a:t>
+            </a:r>
+            <a:r>
+              <a:rPr lang="en-US" dirty="0">
+                <a:highlight>
+                  <a:srgbClr val="FFFF00"/>
+                </a:highlight>
+                <a:sym typeface="Wingdings" panose="05000000000000000000" pitchFamily="2" charset="2"/>
+              </a:rPr>
+              <a:t> Client side</a:t>
+            </a:r>
+            <a:endParaRPr lang="en-US" dirty="0">
+              <a:highlight>
+                <a:srgbClr val="FFFF00"/>
+              </a:highlight>
+            </a:endParaRPr>
+          </a:p>
+          <a:p>
+            <a:r>
+              <a:rPr lang="en-US" dirty="0">
+                <a:highlight>
+                  <a:srgbClr val="FFFF00"/>
+                </a:highlight>
+              </a:rPr>
+              <a:t>JS validation </a:t>
+            </a:r>
+            <a:r>
+              <a:rPr lang="en-US" dirty="0">
+                <a:highlight>
+                  <a:srgbClr val="FFFF00"/>
+                </a:highlight>
+                <a:sym typeface="Wingdings" panose="05000000000000000000" pitchFamily="2" charset="2"/>
+              </a:rPr>
+              <a:t>  Client Side</a:t>
+            </a:r>
+          </a:p>
+          <a:p>
+            <a:endParaRPr lang="en-US" dirty="0">
+              <a:highlight>
+                <a:srgbClr val="FFFF00"/>
+              </a:highlight>
+              <a:sym typeface="Wingdings" panose="05000000000000000000" pitchFamily="2" charset="2"/>
+            </a:endParaRPr>
+          </a:p>
+          <a:p>
+            <a:r>
+              <a:rPr lang="en-US" dirty="0">
+                <a:highlight>
+                  <a:srgbClr val="FFFF00"/>
+                </a:highlight>
+                <a:sym typeface="Wingdings" panose="05000000000000000000" pitchFamily="2" charset="2"/>
+              </a:rPr>
+              <a:t>Spring Form Tags</a:t>
+            </a:r>
+            <a:endParaRPr lang="en-US" dirty="0">
+              <a:highlight>
+                <a:srgbClr val="FFFF00"/>
+              </a:highlight>
+            </a:endParaRPr>
+          </a:p>
+        </p:txBody>
+      </p:sp>
+    </p:spTree>
+    <p:extLst>
+      <p:ext uri="{BB962C8B-B14F-4D97-AF65-F5344CB8AC3E}">
+        <p14:creationId xmlns:p14="http://schemas.microsoft.com/office/powerpoint/2010/main" val="3368689693"/>
+      </p:ext>
+    </p:extLst>
+  </p:cSld>
+  <p:clrMapOvr>
+    <a:masterClrMapping/>
+  </p:clrMapOvr>
+</p:sld>
+</file>
+
+<file path=ppt/slides/slide21.xml><?xml version="1.0" encoding="utf-8"?>
+<p:sld xmlns:a="http://schemas.openxmlformats.org/drawingml/2006/main" xmlns:r="http://schemas.openxmlformats.org/officeDocument/2006/relationships" xmlns:p="http://schemas.openxmlformats.org/presentationml/2006/main">
+  <p:cSld>
+    <p:spTree>
+      <p:nvGrpSpPr>
+        <p:cNvPr id="1" name=""/>
+        <p:cNvGrpSpPr/>
+        <p:nvPr/>
+      </p:nvGrpSpPr>
+      <p:grpSpPr>
+        <a:xfrm>
+          <a:off x="0" y="0"/>
+          <a:ext cx="0" cy="0"/>
+          <a:chOff x="0" y="0"/>
+          <a:chExt cx="0" cy="0"/>
+        </a:xfrm>
+      </p:grpSpPr>
+      <p:sp>
+        <p:nvSpPr>
+          <p:cNvPr id="2" name="Title 1">
+            <a:extLst>
+              <a:ext uri="{FF2B5EF4-FFF2-40B4-BE49-F238E27FC236}">
+                <a16:creationId xmlns:a16="http://schemas.microsoft.com/office/drawing/2014/main" id="{2ADAE537-F0E1-469B-80FC-4DB02C2E3CC0}"/>
+              </a:ext>
+            </a:extLst>
+          </p:cNvPr>
+          <p:cNvSpPr>
+            <a:spLocks noGrp="1"/>
+          </p:cNvSpPr>
+          <p:nvPr>
+            <p:ph type="title"/>
+          </p:nvPr>
+        </p:nvSpPr>
+        <p:spPr/>
+        <p:txBody>
+          <a:bodyPr/>
+          <a:lstStyle/>
+          <a:p>
+            <a:r>
+              <a:rPr lang="en-US" dirty="0"/>
+              <a:t>Validation</a:t>
+            </a:r>
+          </a:p>
+        </p:txBody>
+      </p:sp>
+      <p:sp>
+        <p:nvSpPr>
+          <p:cNvPr id="3" name="Content Placeholder 2">
+            <a:extLst>
+              <a:ext uri="{FF2B5EF4-FFF2-40B4-BE49-F238E27FC236}">
+                <a16:creationId xmlns:a16="http://schemas.microsoft.com/office/drawing/2014/main" id="{74930189-D98A-4504-8254-7608623260C2}"/>
+              </a:ext>
+            </a:extLst>
+          </p:cNvPr>
+          <p:cNvSpPr>
+            <a:spLocks noGrp="1"/>
+          </p:cNvSpPr>
+          <p:nvPr>
+            <p:ph idx="1"/>
+          </p:nvPr>
+        </p:nvSpPr>
+        <p:spPr/>
+        <p:txBody>
+          <a:bodyPr>
+            <a:normAutofit lnSpcReduction="10000"/>
+          </a:bodyPr>
+          <a:lstStyle/>
+          <a:p>
+            <a:r>
+              <a:rPr lang="en-US" dirty="0"/>
+              <a:t>@</a:t>
+            </a:r>
+            <a:r>
+              <a:rPr lang="en-US" dirty="0" err="1"/>
+              <a:t>NotEmpty</a:t>
+            </a:r>
+            <a:endParaRPr lang="en-US" dirty="0"/>
+          </a:p>
+          <a:p>
+            <a:r>
+              <a:rPr lang="en-US" dirty="0"/>
+              <a:t>@Email</a:t>
+            </a:r>
+          </a:p>
+          <a:p>
+            <a:r>
+              <a:rPr lang="en-US" dirty="0"/>
+              <a:t>@</a:t>
+            </a:r>
+            <a:r>
+              <a:rPr lang="en-US" dirty="0" err="1"/>
+              <a:t>NotNull</a:t>
+            </a:r>
+            <a:endParaRPr lang="en-US" dirty="0"/>
+          </a:p>
+          <a:p>
+            <a:r>
+              <a:rPr lang="en-US" dirty="0"/>
+              <a:t>@Length</a:t>
+            </a:r>
+          </a:p>
+          <a:p>
+            <a:r>
+              <a:rPr lang="en-US" dirty="0">
+                <a:highlight>
+                  <a:srgbClr val="FFFF00"/>
+                </a:highlight>
+              </a:rPr>
+              <a:t>@Min</a:t>
+            </a:r>
+          </a:p>
+          <a:p>
+            <a:r>
+              <a:rPr lang="en-US" dirty="0">
+                <a:highlight>
+                  <a:srgbClr val="FFFF00"/>
+                </a:highlight>
+              </a:rPr>
+              <a:t>@Max</a:t>
+            </a:r>
+          </a:p>
+          <a:p>
+            <a:r>
+              <a:rPr lang="en-US" dirty="0">
+                <a:highlight>
+                  <a:srgbClr val="FFFF00"/>
+                </a:highlight>
+              </a:rPr>
+              <a:t>@Range</a:t>
+            </a:r>
+          </a:p>
+          <a:p>
+            <a:r>
+              <a:rPr lang="en-US" dirty="0">
+                <a:highlight>
+                  <a:srgbClr val="00FF00"/>
+                </a:highlight>
+              </a:rPr>
+              <a:t>@Past</a:t>
+            </a:r>
+          </a:p>
+          <a:p>
+            <a:r>
+              <a:rPr lang="en-US" dirty="0">
+                <a:highlight>
+                  <a:srgbClr val="00FF00"/>
+                </a:highlight>
+              </a:rPr>
+              <a:t>@Future</a:t>
+            </a:r>
+          </a:p>
+          <a:p>
+            <a:endParaRPr lang="en-US" dirty="0">
+              <a:highlight>
+                <a:srgbClr val="FFFF00"/>
+              </a:highlight>
+            </a:endParaRPr>
+          </a:p>
+        </p:txBody>
+      </p:sp>
+    </p:spTree>
+    <p:extLst>
+      <p:ext uri="{BB962C8B-B14F-4D97-AF65-F5344CB8AC3E}">
+        <p14:creationId xmlns:p14="http://schemas.microsoft.com/office/powerpoint/2010/main" val="2664235508"/>
+      </p:ext>
+    </p:extLst>
+  </p:cSld>
+  <p:clrMapOvr>
+    <a:masterClrMapping/>
+  </p:clrMapOvr>
+</p:sld>
+</file>
+
+<file path=ppt/slides/slide22.xml><?xml version="1.0" encoding="utf-8"?>
+<p:sld xmlns:a="http://schemas.openxmlformats.org/drawingml/2006/main" xmlns:r="http://schemas.openxmlformats.org/officeDocument/2006/relationships" xmlns:p="http://schemas.openxmlformats.org/presentationml/2006/main">
+  <p:cSld>
+    <p:spTree>
+      <p:nvGrpSpPr>
+        <p:cNvPr id="1" name=""/>
+        <p:cNvGrpSpPr/>
+        <p:nvPr/>
+      </p:nvGrpSpPr>
+      <p:grpSpPr>
+        <a:xfrm>
+          <a:off x="0" y="0"/>
+          <a:ext cx="0" cy="0"/>
+          <a:chOff x="0" y="0"/>
+          <a:chExt cx="0" cy="0"/>
+        </a:xfrm>
+      </p:grpSpPr>
+      <p:sp>
+        <p:nvSpPr>
+          <p:cNvPr id="2" name="Title 1">
+            <a:extLst>
+              <a:ext uri="{FF2B5EF4-FFF2-40B4-BE49-F238E27FC236}">
+                <a16:creationId xmlns:a16="http://schemas.microsoft.com/office/drawing/2014/main" id="{ABBF02EA-FF28-4697-9A08-F7ECFD784A37}"/>
+              </a:ext>
+            </a:extLst>
+          </p:cNvPr>
+          <p:cNvSpPr>
+            <a:spLocks noGrp="1"/>
+          </p:cNvSpPr>
+          <p:nvPr>
+            <p:ph type="title"/>
+          </p:nvPr>
+        </p:nvSpPr>
+        <p:spPr/>
+        <p:txBody>
+          <a:bodyPr/>
+          <a:lstStyle/>
+          <a:p>
+            <a:r>
+              <a:rPr lang="en-US" dirty="0"/>
+              <a:t>Spring REST</a:t>
+            </a:r>
+          </a:p>
+        </p:txBody>
+      </p:sp>
+      <p:sp>
+        <p:nvSpPr>
+          <p:cNvPr id="3" name="Content Placeholder 2">
+            <a:extLst>
+              <a:ext uri="{FF2B5EF4-FFF2-40B4-BE49-F238E27FC236}">
+                <a16:creationId xmlns:a16="http://schemas.microsoft.com/office/drawing/2014/main" id="{BF063156-1A12-47CD-A995-AB39F5DDAC31}"/>
+              </a:ext>
+            </a:extLst>
+          </p:cNvPr>
+          <p:cNvSpPr>
+            <a:spLocks noGrp="1"/>
+          </p:cNvSpPr>
+          <p:nvPr>
+            <p:ph idx="1"/>
+          </p:nvPr>
+        </p:nvSpPr>
+        <p:spPr/>
+        <p:txBody>
+          <a:bodyPr>
+            <a:normAutofit lnSpcReduction="10000"/>
+          </a:bodyPr>
+          <a:lstStyle/>
+          <a:p>
+            <a:r>
+              <a:rPr lang="en-US" dirty="0" err="1"/>
+              <a:t>WebServices</a:t>
+            </a:r>
+            <a:endParaRPr lang="en-US" dirty="0"/>
+          </a:p>
+          <a:p>
+            <a:pPr lvl="1"/>
+            <a:r>
+              <a:rPr lang="en-US" dirty="0"/>
+              <a:t>Service distributed through internet</a:t>
+            </a:r>
+          </a:p>
+          <a:p>
+            <a:pPr lvl="1"/>
+            <a:r>
+              <a:rPr lang="en-US" dirty="0"/>
+              <a:t>Technology Agnostics</a:t>
+            </a:r>
+          </a:p>
+          <a:p>
+            <a:pPr lvl="1"/>
+            <a:r>
+              <a:rPr lang="en-US" dirty="0"/>
+              <a:t>Types</a:t>
+            </a:r>
+          </a:p>
+          <a:p>
+            <a:pPr lvl="2"/>
+            <a:r>
+              <a:rPr lang="en-US" dirty="0"/>
+              <a:t>SOAP</a:t>
+            </a:r>
+          </a:p>
+          <a:p>
+            <a:pPr lvl="3"/>
+            <a:r>
+              <a:rPr lang="en-US" dirty="0"/>
+              <a:t>Complex </a:t>
+            </a:r>
+            <a:r>
+              <a:rPr lang="en-US" dirty="0">
+                <a:sym typeface="Wingdings" panose="05000000000000000000" pitchFamily="2" charset="2"/>
+              </a:rPr>
+              <a:t> WSDL </a:t>
+            </a:r>
+            <a:endParaRPr lang="en-US" dirty="0"/>
+          </a:p>
+          <a:p>
+            <a:pPr lvl="3"/>
+            <a:r>
+              <a:rPr lang="en-US" dirty="0"/>
+              <a:t>XML dependent</a:t>
+            </a:r>
+          </a:p>
+          <a:p>
+            <a:pPr lvl="3"/>
+            <a:r>
+              <a:rPr lang="en-US" dirty="0"/>
+              <a:t>XML </a:t>
+            </a:r>
+          </a:p>
+          <a:p>
+            <a:pPr lvl="2"/>
+            <a:r>
+              <a:rPr lang="en-US" dirty="0"/>
+              <a:t>REST</a:t>
+            </a:r>
+          </a:p>
+          <a:p>
+            <a:pPr lvl="3"/>
+            <a:r>
+              <a:rPr lang="en-US" dirty="0"/>
+              <a:t>URI</a:t>
+            </a:r>
+          </a:p>
+          <a:p>
+            <a:pPr lvl="3"/>
+            <a:r>
+              <a:rPr lang="en-US" dirty="0"/>
+              <a:t>Not XML</a:t>
+            </a:r>
+          </a:p>
+          <a:p>
+            <a:pPr lvl="3"/>
+            <a:r>
+              <a:rPr lang="en-US" dirty="0"/>
+              <a:t>JSON, XML, Text, </a:t>
+            </a:r>
+            <a:r>
+              <a:rPr lang="en-US" dirty="0" err="1"/>
+              <a:t>etc</a:t>
+            </a:r>
+            <a:r>
+              <a:rPr lang="en-US" dirty="0"/>
+              <a:t>…</a:t>
+            </a:r>
+          </a:p>
+          <a:p>
+            <a:pPr lvl="3"/>
+            <a:r>
+              <a:rPr lang="en-US" dirty="0"/>
+              <a:t>HTTP </a:t>
+            </a:r>
+            <a:r>
+              <a:rPr lang="en-US" dirty="0">
+                <a:sym typeface="Wingdings" panose="05000000000000000000" pitchFamily="2" charset="2"/>
+              </a:rPr>
+              <a:t> HTTP methods</a:t>
+            </a:r>
+            <a:endParaRPr lang="en-US" dirty="0"/>
+          </a:p>
+          <a:p>
+            <a:pPr lvl="3"/>
+            <a:endParaRPr lang="en-US" dirty="0"/>
+          </a:p>
+          <a:p>
+            <a:pPr lvl="2"/>
+            <a:endParaRPr lang="en-US" dirty="0"/>
           </a:p>
         </p:txBody>
       </p:sp>
@@ -7246,6 +7737,2911 @@
     <p:extLst>
       <p:ext uri="{BB962C8B-B14F-4D97-AF65-F5344CB8AC3E}">
         <p14:creationId xmlns:p14="http://schemas.microsoft.com/office/powerpoint/2010/main" val="2133875542"/>
+      </p:ext>
+    </p:extLst>
+  </p:cSld>
+  <p:clrMapOvr>
+    <a:masterClrMapping/>
+  </p:clrMapOvr>
+</p:sld>
+</file>
+
+<file path=ppt/slides/slide23.xml><?xml version="1.0" encoding="utf-8"?>
+<p:sld xmlns:a="http://schemas.openxmlformats.org/drawingml/2006/main" xmlns:r="http://schemas.openxmlformats.org/officeDocument/2006/relationships" xmlns:p="http://schemas.openxmlformats.org/presentationml/2006/main">
+  <p:cSld>
+    <p:spTree>
+      <p:nvGrpSpPr>
+        <p:cNvPr id="1" name=""/>
+        <p:cNvGrpSpPr/>
+        <p:nvPr/>
+      </p:nvGrpSpPr>
+      <p:grpSpPr>
+        <a:xfrm>
+          <a:off x="0" y="0"/>
+          <a:ext cx="0" cy="0"/>
+          <a:chOff x="0" y="0"/>
+          <a:chExt cx="0" cy="0"/>
+        </a:xfrm>
+      </p:grpSpPr>
+      <p:sp>
+        <p:nvSpPr>
+          <p:cNvPr id="2" name="Title 1">
+            <a:extLst>
+              <a:ext uri="{FF2B5EF4-FFF2-40B4-BE49-F238E27FC236}">
+                <a16:creationId xmlns:a16="http://schemas.microsoft.com/office/drawing/2014/main" id="{3FB6E8B3-39FE-4D53-8178-605B68994C8A}"/>
+              </a:ext>
+            </a:extLst>
+          </p:cNvPr>
+          <p:cNvSpPr>
+            <a:spLocks noGrp="1"/>
+          </p:cNvSpPr>
+          <p:nvPr>
+            <p:ph type="title"/>
+          </p:nvPr>
+        </p:nvSpPr>
+        <p:spPr/>
+        <p:txBody>
+          <a:bodyPr/>
+          <a:lstStyle/>
+          <a:p>
+            <a:r>
+              <a:rPr lang="en-US" dirty="0"/>
+              <a:t>Implement REST in SPRING</a:t>
+            </a:r>
+          </a:p>
+        </p:txBody>
+      </p:sp>
+      <p:sp>
+        <p:nvSpPr>
+          <p:cNvPr id="3" name="Content Placeholder 2">
+            <a:extLst>
+              <a:ext uri="{FF2B5EF4-FFF2-40B4-BE49-F238E27FC236}">
+                <a16:creationId xmlns:a16="http://schemas.microsoft.com/office/drawing/2014/main" id="{2BFD9CB7-C7AA-4FEA-9A70-B3A3A27A4015}"/>
+              </a:ext>
+            </a:extLst>
+          </p:cNvPr>
+          <p:cNvSpPr>
+            <a:spLocks noGrp="1"/>
+          </p:cNvSpPr>
+          <p:nvPr>
+            <p:ph idx="1"/>
+          </p:nvPr>
+        </p:nvSpPr>
+        <p:spPr/>
+        <p:txBody>
+          <a:bodyPr/>
+          <a:lstStyle/>
+          <a:p>
+            <a:r>
+              <a:rPr lang="en-US" dirty="0"/>
+              <a:t>Jars</a:t>
+            </a:r>
+          </a:p>
+          <a:p>
+            <a:pPr lvl="1"/>
+            <a:r>
+              <a:rPr lang="en-US" dirty="0"/>
+              <a:t>Spring-</a:t>
+            </a:r>
+            <a:r>
+              <a:rPr lang="en-US" dirty="0" err="1"/>
+              <a:t>webmvc</a:t>
+            </a:r>
+            <a:endParaRPr lang="en-US" dirty="0"/>
+          </a:p>
+          <a:p>
+            <a:r>
+              <a:rPr lang="en-US" dirty="0" err="1"/>
+              <a:t>DispatcherServlet</a:t>
+            </a:r>
+            <a:endParaRPr lang="en-US" dirty="0"/>
+          </a:p>
+          <a:p>
+            <a:r>
+              <a:rPr lang="en-US" dirty="0"/>
+              <a:t>@</a:t>
+            </a:r>
+            <a:r>
+              <a:rPr lang="en-US" dirty="0" err="1"/>
+              <a:t>RestController</a:t>
+            </a:r>
+            <a:endParaRPr lang="en-US" dirty="0"/>
+          </a:p>
+          <a:p>
+            <a:pPr lvl="1"/>
+            <a:r>
+              <a:rPr lang="en-US" dirty="0"/>
+              <a:t>@</a:t>
+            </a:r>
+            <a:r>
+              <a:rPr lang="en-US" dirty="0" err="1"/>
+              <a:t>RequestMapping</a:t>
+            </a:r>
+            <a:endParaRPr lang="en-US" dirty="0"/>
+          </a:p>
+          <a:p>
+            <a:pPr lvl="1"/>
+            <a:r>
+              <a:rPr lang="en-US" dirty="0"/>
+              <a:t>@</a:t>
+            </a:r>
+            <a:r>
+              <a:rPr lang="en-US" dirty="0" err="1"/>
+              <a:t>GetMapping</a:t>
+            </a:r>
+            <a:r>
+              <a:rPr lang="en-US" dirty="0"/>
+              <a:t> </a:t>
+            </a:r>
+            <a:r>
+              <a:rPr lang="en-US" dirty="0">
+                <a:sym typeface="Wingdings" panose="05000000000000000000" pitchFamily="2" charset="2"/>
+              </a:rPr>
+              <a:t> get  get the resource from server</a:t>
+            </a:r>
+            <a:endParaRPr lang="en-US" dirty="0"/>
+          </a:p>
+          <a:p>
+            <a:pPr lvl="1"/>
+            <a:r>
+              <a:rPr lang="en-US" dirty="0"/>
+              <a:t>@</a:t>
+            </a:r>
+            <a:r>
+              <a:rPr lang="en-US" dirty="0" err="1"/>
+              <a:t>POstMapping</a:t>
+            </a:r>
+            <a:r>
+              <a:rPr lang="en-US" dirty="0"/>
+              <a:t> </a:t>
+            </a:r>
+            <a:r>
+              <a:rPr lang="en-US" dirty="0">
+                <a:sym typeface="Wingdings" panose="05000000000000000000" pitchFamily="2" charset="2"/>
+              </a:rPr>
+              <a:t> post  create resource into server</a:t>
+            </a:r>
+            <a:endParaRPr lang="en-US" dirty="0"/>
+          </a:p>
+          <a:p>
+            <a:pPr lvl="1"/>
+            <a:r>
+              <a:rPr lang="en-US" dirty="0"/>
+              <a:t>@</a:t>
+            </a:r>
+            <a:r>
+              <a:rPr lang="en-US" dirty="0" err="1"/>
+              <a:t>PutMapping</a:t>
+            </a:r>
+            <a:r>
+              <a:rPr lang="en-US" dirty="0"/>
+              <a:t> </a:t>
+            </a:r>
+            <a:r>
+              <a:rPr lang="en-US" dirty="0">
+                <a:sym typeface="Wingdings" panose="05000000000000000000" pitchFamily="2" charset="2"/>
+              </a:rPr>
+              <a:t> put  create/update resource into server</a:t>
+            </a:r>
+            <a:endParaRPr lang="en-US" dirty="0"/>
+          </a:p>
+          <a:p>
+            <a:pPr lvl="1"/>
+            <a:r>
+              <a:rPr lang="en-US" dirty="0"/>
+              <a:t>@</a:t>
+            </a:r>
+            <a:r>
+              <a:rPr lang="en-US" dirty="0" err="1"/>
+              <a:t>DeleteMapping</a:t>
+            </a:r>
+            <a:r>
+              <a:rPr lang="en-US" dirty="0"/>
+              <a:t> </a:t>
+            </a:r>
+            <a:r>
+              <a:rPr lang="en-US" dirty="0">
+                <a:sym typeface="Wingdings" panose="05000000000000000000" pitchFamily="2" charset="2"/>
+              </a:rPr>
+              <a:t> delete  delete resource from server</a:t>
+            </a:r>
+            <a:endParaRPr lang="en-US" dirty="0"/>
+          </a:p>
+          <a:p>
+            <a:pPr lvl="1"/>
+            <a:r>
+              <a:rPr lang="en-US" dirty="0"/>
+              <a:t>@</a:t>
+            </a:r>
+            <a:r>
+              <a:rPr lang="en-US" dirty="0" err="1">
+                <a:highlight>
+                  <a:srgbClr val="FFFF00"/>
+                </a:highlight>
+              </a:rPr>
+              <a:t>PatchMapping</a:t>
+            </a:r>
+            <a:r>
+              <a:rPr lang="en-US" dirty="0"/>
+              <a:t> </a:t>
+            </a:r>
+            <a:r>
+              <a:rPr lang="en-US" dirty="0">
+                <a:sym typeface="Wingdings" panose="05000000000000000000" pitchFamily="2" charset="2"/>
+              </a:rPr>
+              <a:t> patch  partial update resource into server</a:t>
+            </a:r>
+            <a:endParaRPr lang="en-US" dirty="0"/>
+          </a:p>
+          <a:p>
+            <a:endParaRPr lang="en-US" dirty="0"/>
+          </a:p>
+        </p:txBody>
+      </p:sp>
+    </p:spTree>
+    <p:extLst>
+      <p:ext uri="{BB962C8B-B14F-4D97-AF65-F5344CB8AC3E}">
+        <p14:creationId xmlns:p14="http://schemas.microsoft.com/office/powerpoint/2010/main" val="2086636982"/>
+      </p:ext>
+    </p:extLst>
+  </p:cSld>
+  <p:clrMapOvr>
+    <a:masterClrMapping/>
+  </p:clrMapOvr>
+</p:sld>
+</file>
+
+<file path=ppt/slides/slide24.xml><?xml version="1.0" encoding="utf-8"?>
+<p:sld xmlns:a="http://schemas.openxmlformats.org/drawingml/2006/main" xmlns:r="http://schemas.openxmlformats.org/officeDocument/2006/relationships" xmlns:p="http://schemas.openxmlformats.org/presentationml/2006/main">
+  <p:cSld>
+    <p:spTree>
+      <p:nvGrpSpPr>
+        <p:cNvPr id="1" name=""/>
+        <p:cNvGrpSpPr/>
+        <p:nvPr/>
+      </p:nvGrpSpPr>
+      <p:grpSpPr>
+        <a:xfrm>
+          <a:off x="0" y="0"/>
+          <a:ext cx="0" cy="0"/>
+          <a:chOff x="0" y="0"/>
+          <a:chExt cx="0" cy="0"/>
+        </a:xfrm>
+      </p:grpSpPr>
+      <p:sp>
+        <p:nvSpPr>
+          <p:cNvPr id="2" name="Title 1">
+            <a:extLst>
+              <a:ext uri="{FF2B5EF4-FFF2-40B4-BE49-F238E27FC236}">
+                <a16:creationId xmlns:a16="http://schemas.microsoft.com/office/drawing/2014/main" id="{2099A35F-87C5-4EA9-82A5-15D7597BF0C8}"/>
+              </a:ext>
+            </a:extLst>
+          </p:cNvPr>
+          <p:cNvSpPr>
+            <a:spLocks noGrp="1"/>
+          </p:cNvSpPr>
+          <p:nvPr>
+            <p:ph type="title"/>
+          </p:nvPr>
+        </p:nvSpPr>
+        <p:spPr/>
+        <p:txBody>
+          <a:bodyPr/>
+          <a:lstStyle/>
+          <a:p>
+            <a:r>
+              <a:rPr lang="en-US" dirty="0"/>
+              <a:t>Implement REST in SPRING</a:t>
+            </a:r>
+          </a:p>
+        </p:txBody>
+      </p:sp>
+      <p:sp>
+        <p:nvSpPr>
+          <p:cNvPr id="3" name="Content Placeholder 2">
+            <a:extLst>
+              <a:ext uri="{FF2B5EF4-FFF2-40B4-BE49-F238E27FC236}">
+                <a16:creationId xmlns:a16="http://schemas.microsoft.com/office/drawing/2014/main" id="{B29BA09F-BCD8-474E-8467-489D4D81DFAB}"/>
+              </a:ext>
+            </a:extLst>
+          </p:cNvPr>
+          <p:cNvSpPr>
+            <a:spLocks noGrp="1"/>
+          </p:cNvSpPr>
+          <p:nvPr>
+            <p:ph idx="1"/>
+          </p:nvPr>
+        </p:nvSpPr>
+        <p:spPr/>
+        <p:txBody>
+          <a:bodyPr/>
+          <a:lstStyle/>
+          <a:p>
+            <a:r>
+              <a:rPr lang="en-US" dirty="0"/>
+              <a:t>@</a:t>
+            </a:r>
+            <a:r>
+              <a:rPr lang="en-US" dirty="0" err="1"/>
+              <a:t>RequestBody</a:t>
+            </a:r>
+            <a:endParaRPr lang="en-US" dirty="0"/>
+          </a:p>
+          <a:p>
+            <a:pPr lvl="1"/>
+            <a:r>
+              <a:rPr lang="en-US" dirty="0"/>
+              <a:t>(send JSON/other via request body)</a:t>
+            </a:r>
+          </a:p>
+          <a:p>
+            <a:r>
+              <a:rPr lang="en-US" dirty="0"/>
+              <a:t>@</a:t>
+            </a:r>
+            <a:r>
+              <a:rPr lang="en-US" dirty="0" err="1"/>
+              <a:t>PathVariable</a:t>
+            </a:r>
+            <a:endParaRPr lang="en-US" dirty="0"/>
+          </a:p>
+          <a:p>
+            <a:pPr lvl="1"/>
+            <a:r>
+              <a:rPr lang="en-US" dirty="0"/>
+              <a:t>URI parameters</a:t>
+            </a:r>
+          </a:p>
+          <a:p>
+            <a:r>
+              <a:rPr lang="en-US" dirty="0" err="1"/>
+              <a:t>ResonseEntity</a:t>
+            </a:r>
+            <a:endParaRPr lang="en-US" dirty="0"/>
+          </a:p>
+          <a:p>
+            <a:pPr lvl="1"/>
+            <a:r>
+              <a:rPr lang="en-US" dirty="0" err="1"/>
+              <a:t>Enitity</a:t>
+            </a:r>
+            <a:r>
+              <a:rPr lang="en-US" dirty="0"/>
+              <a:t> + HTTP Status Code</a:t>
+            </a:r>
+          </a:p>
+          <a:p>
+            <a:r>
+              <a:rPr lang="en-US" dirty="0" err="1">
+                <a:highlight>
+                  <a:srgbClr val="FFFF00"/>
+                </a:highlight>
+              </a:rPr>
+              <a:t>JackSon</a:t>
+            </a:r>
+            <a:r>
+              <a:rPr lang="en-US" dirty="0"/>
+              <a:t> Parsers</a:t>
+            </a:r>
+          </a:p>
+          <a:p>
+            <a:pPr lvl="1"/>
+            <a:r>
+              <a:rPr lang="en-US" dirty="0"/>
+              <a:t>Java </a:t>
+            </a:r>
+            <a:r>
+              <a:rPr lang="en-US" dirty="0">
+                <a:sym typeface="Wingdings" panose="05000000000000000000" pitchFamily="2" charset="2"/>
+              </a:rPr>
+              <a:t> JSON</a:t>
+            </a:r>
+          </a:p>
+          <a:p>
+            <a:pPr lvl="1"/>
+            <a:r>
+              <a:rPr lang="en-US" dirty="0">
+                <a:sym typeface="Wingdings" panose="05000000000000000000" pitchFamily="2" charset="2"/>
+              </a:rPr>
+              <a:t>JSON  JAVA</a:t>
+            </a:r>
+            <a:endParaRPr lang="en-US" dirty="0"/>
+          </a:p>
+        </p:txBody>
+      </p:sp>
+    </p:spTree>
+    <p:extLst>
+      <p:ext uri="{BB962C8B-B14F-4D97-AF65-F5344CB8AC3E}">
+        <p14:creationId xmlns:p14="http://schemas.microsoft.com/office/powerpoint/2010/main" val="4047551295"/>
+      </p:ext>
+    </p:extLst>
+  </p:cSld>
+  <p:clrMapOvr>
+    <a:masterClrMapping/>
+  </p:clrMapOvr>
+</p:sld>
+</file>
+
+<file path=ppt/slides/slide25.xml><?xml version="1.0" encoding="utf-8"?>
+<p:sld xmlns:a="http://schemas.openxmlformats.org/drawingml/2006/main" xmlns:r="http://schemas.openxmlformats.org/officeDocument/2006/relationships" xmlns:p="http://schemas.openxmlformats.org/presentationml/2006/main">
+  <p:cSld>
+    <p:spTree>
+      <p:nvGrpSpPr>
+        <p:cNvPr id="1" name=""/>
+        <p:cNvGrpSpPr/>
+        <p:nvPr/>
+      </p:nvGrpSpPr>
+      <p:grpSpPr>
+        <a:xfrm>
+          <a:off x="0" y="0"/>
+          <a:ext cx="0" cy="0"/>
+          <a:chOff x="0" y="0"/>
+          <a:chExt cx="0" cy="0"/>
+        </a:xfrm>
+      </p:grpSpPr>
+      <p:sp>
+        <p:nvSpPr>
+          <p:cNvPr id="4" name="Title 1">
+            <a:extLst>
+              <a:ext uri="{FF2B5EF4-FFF2-40B4-BE49-F238E27FC236}">
+                <a16:creationId xmlns:a16="http://schemas.microsoft.com/office/drawing/2014/main" id="{615E6B65-8D86-4739-B1F2-E8F22D67E643}"/>
+              </a:ext>
+            </a:extLst>
+          </p:cNvPr>
+          <p:cNvSpPr txBox="1">
+            <a:spLocks/>
+          </p:cNvSpPr>
+          <p:nvPr/>
+        </p:nvSpPr>
+        <p:spPr>
+          <a:xfrm>
+            <a:off x="838200" y="365125"/>
+            <a:ext cx="10515600" cy="1325563"/>
+          </a:xfrm>
+          <a:prstGeom prst="rect">
+            <a:avLst/>
+          </a:prstGeom>
+        </p:spPr>
+        <p:txBody>
+          <a:bodyPr vert="horz" lIns="91440" tIns="45720" rIns="91440" bIns="45720" rtlCol="0" anchor="ctr">
+            <a:normAutofit/>
+          </a:bodyPr>
+          <a:lstStyle>
+            <a:lvl1pPr algn="l" defTabSz="914400" rtl="0" eaLnBrk="1" latinLnBrk="0" hangingPunct="1">
+              <a:lnSpc>
+                <a:spcPct val="90000"/>
+              </a:lnSpc>
+              <a:spcBef>
+                <a:spcPct val="0"/>
+              </a:spcBef>
+              <a:buNone/>
+              <a:defRPr sz="4400" kern="1200">
+                <a:solidFill>
+                  <a:schemeClr val="tx1"/>
+                </a:solidFill>
+                <a:latin typeface="+mj-lt"/>
+                <a:ea typeface="+mj-ea"/>
+                <a:cs typeface="+mj-cs"/>
+              </a:defRPr>
+            </a:lvl1pPr>
+          </a:lstStyle>
+          <a:p>
+            <a:r>
+              <a:rPr lang="en-US" dirty="0"/>
+              <a:t>Spring5 REST</a:t>
+            </a:r>
+          </a:p>
+        </p:txBody>
+      </p:sp>
+      <p:sp>
+        <p:nvSpPr>
+          <p:cNvPr id="5" name="Rectangle 4">
+            <a:extLst>
+              <a:ext uri="{FF2B5EF4-FFF2-40B4-BE49-F238E27FC236}">
+                <a16:creationId xmlns:a16="http://schemas.microsoft.com/office/drawing/2014/main" id="{7CD60E39-7E91-46A3-8C3B-83BCD41168C9}"/>
+              </a:ext>
+            </a:extLst>
+          </p:cNvPr>
+          <p:cNvSpPr/>
+          <p:nvPr/>
+        </p:nvSpPr>
+        <p:spPr>
+          <a:xfrm>
+            <a:off x="266007" y="3142211"/>
+            <a:ext cx="1213658" cy="432262"/>
+          </a:xfrm>
+          <a:prstGeom prst="rect">
+            <a:avLst/>
+          </a:prstGeom>
+        </p:spPr>
+        <p:style>
+          <a:lnRef idx="2">
+            <a:schemeClr val="accent1">
+              <a:shade val="50000"/>
+            </a:schemeClr>
+          </a:lnRef>
+          <a:fillRef idx="1">
+            <a:schemeClr val="accent1"/>
+          </a:fillRef>
+          <a:effectRef idx="0">
+            <a:schemeClr val="accent1"/>
+          </a:effectRef>
+          <a:fontRef idx="minor">
+            <a:schemeClr val="lt1"/>
+          </a:fontRef>
+        </p:style>
+        <p:txBody>
+          <a:bodyPr rtlCol="0" anchor="ctr"/>
+          <a:lstStyle/>
+          <a:p>
+            <a:pPr algn="ctr"/>
+            <a:r>
+              <a:rPr lang="en-US" dirty="0"/>
+              <a:t>Client</a:t>
+            </a:r>
+          </a:p>
+        </p:txBody>
+      </p:sp>
+      <p:sp>
+        <p:nvSpPr>
+          <p:cNvPr id="6" name="Oval 5">
+            <a:extLst>
+              <a:ext uri="{FF2B5EF4-FFF2-40B4-BE49-F238E27FC236}">
+                <a16:creationId xmlns:a16="http://schemas.microsoft.com/office/drawing/2014/main" id="{B236044D-BF4C-437D-8F7C-95BF4136583E}"/>
+              </a:ext>
+            </a:extLst>
+          </p:cNvPr>
+          <p:cNvSpPr/>
+          <p:nvPr/>
+        </p:nvSpPr>
+        <p:spPr>
+          <a:xfrm>
+            <a:off x="3000895" y="2560320"/>
+            <a:ext cx="1629294" cy="1596044"/>
+          </a:xfrm>
+          <a:prstGeom prst="ellipse">
+            <a:avLst/>
+          </a:prstGeom>
+        </p:spPr>
+        <p:style>
+          <a:lnRef idx="2">
+            <a:schemeClr val="accent1">
+              <a:shade val="50000"/>
+            </a:schemeClr>
+          </a:lnRef>
+          <a:fillRef idx="1">
+            <a:schemeClr val="accent1"/>
+          </a:fillRef>
+          <a:effectRef idx="0">
+            <a:schemeClr val="accent1"/>
+          </a:effectRef>
+          <a:fontRef idx="minor">
+            <a:schemeClr val="lt1"/>
+          </a:fontRef>
+        </p:style>
+        <p:txBody>
+          <a:bodyPr rtlCol="0" anchor="ctr"/>
+          <a:lstStyle/>
+          <a:p>
+            <a:pPr algn="ctr"/>
+            <a:r>
+              <a:rPr lang="en-US" sz="1600" dirty="0"/>
+              <a:t>Dispatcher </a:t>
+            </a:r>
+          </a:p>
+          <a:p>
+            <a:pPr algn="ctr"/>
+            <a:r>
+              <a:rPr lang="en-US" sz="1600" dirty="0"/>
+              <a:t>servlet</a:t>
+            </a:r>
+          </a:p>
+        </p:txBody>
+      </p:sp>
+      <p:cxnSp>
+        <p:nvCxnSpPr>
+          <p:cNvPr id="7" name="Straight Arrow Connector 6">
+            <a:extLst>
+              <a:ext uri="{FF2B5EF4-FFF2-40B4-BE49-F238E27FC236}">
+                <a16:creationId xmlns:a16="http://schemas.microsoft.com/office/drawing/2014/main" id="{D09F9850-495F-4023-A540-912F8AB08ED9}"/>
+              </a:ext>
+            </a:extLst>
+          </p:cNvPr>
+          <p:cNvCxnSpPr>
+            <a:stCxn id="5" idx="3"/>
+            <a:endCxn id="6" idx="2"/>
+          </p:cNvCxnSpPr>
+          <p:nvPr/>
+        </p:nvCxnSpPr>
+        <p:spPr>
+          <a:xfrm>
+            <a:off x="1479665" y="3358342"/>
+            <a:ext cx="1521230" cy="0"/>
+          </a:xfrm>
+          <a:prstGeom prst="straightConnector1">
+            <a:avLst/>
+          </a:prstGeom>
+          <a:ln>
+            <a:tailEnd type="triangle"/>
+          </a:ln>
+        </p:spPr>
+        <p:style>
+          <a:lnRef idx="1">
+            <a:schemeClr val="accent1"/>
+          </a:lnRef>
+          <a:fillRef idx="0">
+            <a:schemeClr val="accent1"/>
+          </a:fillRef>
+          <a:effectRef idx="0">
+            <a:schemeClr val="accent1"/>
+          </a:effectRef>
+          <a:fontRef idx="minor">
+            <a:schemeClr val="tx1"/>
+          </a:fontRef>
+        </p:style>
+      </p:cxnSp>
+      <p:sp>
+        <p:nvSpPr>
+          <p:cNvPr id="8" name="TextBox 7">
+            <a:extLst>
+              <a:ext uri="{FF2B5EF4-FFF2-40B4-BE49-F238E27FC236}">
+                <a16:creationId xmlns:a16="http://schemas.microsoft.com/office/drawing/2014/main" id="{6EC55F6A-9154-4AC9-966E-C9DE7657DCD3}"/>
+              </a:ext>
+            </a:extLst>
+          </p:cNvPr>
+          <p:cNvSpPr txBox="1"/>
+          <p:nvPr/>
+        </p:nvSpPr>
+        <p:spPr>
+          <a:xfrm>
+            <a:off x="1810258" y="3028101"/>
+            <a:ext cx="860044" cy="338554"/>
+          </a:xfrm>
+          <a:prstGeom prst="rect">
+            <a:avLst/>
+          </a:prstGeom>
+          <a:noFill/>
+        </p:spPr>
+        <p:txBody>
+          <a:bodyPr wrap="none" rtlCol="0">
+            <a:spAutoFit/>
+          </a:bodyPr>
+          <a:lstStyle/>
+          <a:p>
+            <a:r>
+              <a:rPr lang="en-US" sz="1600" dirty="0"/>
+              <a:t>Request</a:t>
+            </a:r>
+          </a:p>
+        </p:txBody>
+      </p:sp>
+      <p:sp>
+        <p:nvSpPr>
+          <p:cNvPr id="9" name="Rectangle 8">
+            <a:extLst>
+              <a:ext uri="{FF2B5EF4-FFF2-40B4-BE49-F238E27FC236}">
+                <a16:creationId xmlns:a16="http://schemas.microsoft.com/office/drawing/2014/main" id="{C56B7B8F-B5EE-4E3D-B565-34F6ACEDE970}"/>
+              </a:ext>
+            </a:extLst>
+          </p:cNvPr>
+          <p:cNvSpPr/>
+          <p:nvPr/>
+        </p:nvSpPr>
+        <p:spPr>
+          <a:xfrm>
+            <a:off x="5999019" y="2532108"/>
+            <a:ext cx="2818015" cy="1787236"/>
+          </a:xfrm>
+          <a:prstGeom prst="rect">
+            <a:avLst/>
+          </a:prstGeom>
+        </p:spPr>
+        <p:style>
+          <a:lnRef idx="2">
+            <a:schemeClr val="accent1">
+              <a:shade val="50000"/>
+            </a:schemeClr>
+          </a:lnRef>
+          <a:fillRef idx="1">
+            <a:schemeClr val="accent1"/>
+          </a:fillRef>
+          <a:effectRef idx="0">
+            <a:schemeClr val="accent1"/>
+          </a:effectRef>
+          <a:fontRef idx="minor">
+            <a:schemeClr val="lt1"/>
+          </a:fontRef>
+        </p:style>
+        <p:txBody>
+          <a:bodyPr rtlCol="0" anchor="ctr"/>
+          <a:lstStyle/>
+          <a:p>
+            <a:pPr algn="ctr"/>
+            <a:endParaRPr lang="en-US"/>
+          </a:p>
+        </p:txBody>
+      </p:sp>
+      <p:cxnSp>
+        <p:nvCxnSpPr>
+          <p:cNvPr id="10" name="Straight Arrow Connector 9">
+            <a:extLst>
+              <a:ext uri="{FF2B5EF4-FFF2-40B4-BE49-F238E27FC236}">
+                <a16:creationId xmlns:a16="http://schemas.microsoft.com/office/drawing/2014/main" id="{52C8C821-C5E8-4C69-B509-F170DFA5024C}"/>
+              </a:ext>
+            </a:extLst>
+          </p:cNvPr>
+          <p:cNvCxnSpPr/>
+          <p:nvPr/>
+        </p:nvCxnSpPr>
+        <p:spPr>
+          <a:xfrm>
+            <a:off x="4477789" y="3425726"/>
+            <a:ext cx="1521230" cy="0"/>
+          </a:xfrm>
+          <a:prstGeom prst="straightConnector1">
+            <a:avLst/>
+          </a:prstGeom>
+          <a:ln>
+            <a:tailEnd type="triangle"/>
+          </a:ln>
+        </p:spPr>
+        <p:style>
+          <a:lnRef idx="1">
+            <a:schemeClr val="accent1"/>
+          </a:lnRef>
+          <a:fillRef idx="0">
+            <a:schemeClr val="accent1"/>
+          </a:fillRef>
+          <a:effectRef idx="0">
+            <a:schemeClr val="accent1"/>
+          </a:effectRef>
+          <a:fontRef idx="minor">
+            <a:schemeClr val="tx1"/>
+          </a:fontRef>
+        </p:style>
+      </p:cxnSp>
+      <p:sp>
+        <p:nvSpPr>
+          <p:cNvPr id="11" name="TextBox 10">
+            <a:extLst>
+              <a:ext uri="{FF2B5EF4-FFF2-40B4-BE49-F238E27FC236}">
+                <a16:creationId xmlns:a16="http://schemas.microsoft.com/office/drawing/2014/main" id="{2B00E696-DF91-47F4-8E9A-BB49ABB891CC}"/>
+              </a:ext>
+            </a:extLst>
+          </p:cNvPr>
+          <p:cNvSpPr txBox="1"/>
+          <p:nvPr/>
+        </p:nvSpPr>
+        <p:spPr>
+          <a:xfrm>
+            <a:off x="4808382" y="3095485"/>
+            <a:ext cx="860044" cy="338554"/>
+          </a:xfrm>
+          <a:prstGeom prst="rect">
+            <a:avLst/>
+          </a:prstGeom>
+          <a:noFill/>
+        </p:spPr>
+        <p:txBody>
+          <a:bodyPr wrap="none" rtlCol="0">
+            <a:spAutoFit/>
+          </a:bodyPr>
+          <a:lstStyle/>
+          <a:p>
+            <a:r>
+              <a:rPr lang="en-US" sz="1600" dirty="0"/>
+              <a:t>Request</a:t>
+            </a:r>
+          </a:p>
+        </p:txBody>
+      </p:sp>
+      <p:sp>
+        <p:nvSpPr>
+          <p:cNvPr id="12" name="TextBox 11">
+            <a:extLst>
+              <a:ext uri="{FF2B5EF4-FFF2-40B4-BE49-F238E27FC236}">
+                <a16:creationId xmlns:a16="http://schemas.microsoft.com/office/drawing/2014/main" id="{9C821863-0C93-403A-8F10-A8576607E2C3}"/>
+              </a:ext>
+            </a:extLst>
+          </p:cNvPr>
+          <p:cNvSpPr txBox="1"/>
+          <p:nvPr/>
+        </p:nvSpPr>
+        <p:spPr>
+          <a:xfrm>
+            <a:off x="6733308" y="3895097"/>
+            <a:ext cx="1526765" cy="369332"/>
+          </a:xfrm>
+          <a:prstGeom prst="rect">
+            <a:avLst/>
+          </a:prstGeom>
+          <a:noFill/>
+        </p:spPr>
+        <p:txBody>
+          <a:bodyPr wrap="none" rtlCol="0">
+            <a:spAutoFit/>
+          </a:bodyPr>
+          <a:lstStyle/>
+          <a:p>
+            <a:r>
+              <a:rPr lang="en-US" dirty="0" err="1">
+                <a:solidFill>
+                  <a:schemeClr val="bg1"/>
+                </a:solidFill>
+              </a:rPr>
+              <a:t>RestController</a:t>
+            </a:r>
+            <a:endParaRPr lang="en-US" dirty="0">
+              <a:solidFill>
+                <a:schemeClr val="bg1"/>
+              </a:solidFill>
+            </a:endParaRPr>
+          </a:p>
+        </p:txBody>
+      </p:sp>
+      <p:sp>
+        <p:nvSpPr>
+          <p:cNvPr id="13" name="Pentagon 12">
+            <a:extLst>
+              <a:ext uri="{FF2B5EF4-FFF2-40B4-BE49-F238E27FC236}">
+                <a16:creationId xmlns:a16="http://schemas.microsoft.com/office/drawing/2014/main" id="{2759839B-55C0-4ECA-B649-CFBA4E9495FD}"/>
+              </a:ext>
+            </a:extLst>
+          </p:cNvPr>
+          <p:cNvSpPr/>
+          <p:nvPr/>
+        </p:nvSpPr>
+        <p:spPr>
+          <a:xfrm>
+            <a:off x="6267796" y="2734887"/>
+            <a:ext cx="623455" cy="623455"/>
+          </a:xfrm>
+          <a:prstGeom prst="pentagon">
+            <a:avLst/>
+          </a:prstGeom>
+          <a:solidFill>
+            <a:schemeClr val="accent2"/>
+          </a:solidFill>
+        </p:spPr>
+        <p:style>
+          <a:lnRef idx="2">
+            <a:schemeClr val="accent1">
+              <a:shade val="50000"/>
+            </a:schemeClr>
+          </a:lnRef>
+          <a:fillRef idx="1">
+            <a:schemeClr val="accent1"/>
+          </a:fillRef>
+          <a:effectRef idx="0">
+            <a:schemeClr val="accent1"/>
+          </a:effectRef>
+          <a:fontRef idx="minor">
+            <a:schemeClr val="lt1"/>
+          </a:fontRef>
+        </p:style>
+        <p:txBody>
+          <a:bodyPr rtlCol="0" anchor="ctr"/>
+          <a:lstStyle/>
+          <a:p>
+            <a:pPr algn="ctr"/>
+            <a:endParaRPr lang="en-US"/>
+          </a:p>
+        </p:txBody>
+      </p:sp>
+      <p:sp>
+        <p:nvSpPr>
+          <p:cNvPr id="14" name="Pentagon 13">
+            <a:extLst>
+              <a:ext uri="{FF2B5EF4-FFF2-40B4-BE49-F238E27FC236}">
+                <a16:creationId xmlns:a16="http://schemas.microsoft.com/office/drawing/2014/main" id="{96C7A0AE-BC13-493D-B0C7-20CB84C406DC}"/>
+              </a:ext>
+            </a:extLst>
+          </p:cNvPr>
+          <p:cNvSpPr/>
+          <p:nvPr/>
+        </p:nvSpPr>
+        <p:spPr>
+          <a:xfrm>
+            <a:off x="6256284" y="3366655"/>
+            <a:ext cx="623455" cy="623455"/>
+          </a:xfrm>
+          <a:prstGeom prst="pentagon">
+            <a:avLst/>
+          </a:prstGeom>
+          <a:solidFill>
+            <a:schemeClr val="accent1">
+              <a:lumMod val="20000"/>
+              <a:lumOff val="80000"/>
+            </a:schemeClr>
+          </a:solidFill>
+        </p:spPr>
+        <p:style>
+          <a:lnRef idx="2">
+            <a:schemeClr val="accent1">
+              <a:shade val="50000"/>
+            </a:schemeClr>
+          </a:lnRef>
+          <a:fillRef idx="1">
+            <a:schemeClr val="accent1"/>
+          </a:fillRef>
+          <a:effectRef idx="0">
+            <a:schemeClr val="accent1"/>
+          </a:effectRef>
+          <a:fontRef idx="minor">
+            <a:schemeClr val="lt1"/>
+          </a:fontRef>
+        </p:style>
+        <p:txBody>
+          <a:bodyPr rtlCol="0" anchor="ctr"/>
+          <a:lstStyle/>
+          <a:p>
+            <a:pPr algn="ctr"/>
+            <a:endParaRPr lang="en-US"/>
+          </a:p>
+        </p:txBody>
+      </p:sp>
+      <p:sp>
+        <p:nvSpPr>
+          <p:cNvPr id="15" name="Pentagon 14">
+            <a:extLst>
+              <a:ext uri="{FF2B5EF4-FFF2-40B4-BE49-F238E27FC236}">
+                <a16:creationId xmlns:a16="http://schemas.microsoft.com/office/drawing/2014/main" id="{FB591F5E-E278-4AC9-8174-38C59AC18A43}"/>
+              </a:ext>
+            </a:extLst>
+          </p:cNvPr>
+          <p:cNvSpPr/>
+          <p:nvPr/>
+        </p:nvSpPr>
+        <p:spPr>
+          <a:xfrm>
+            <a:off x="7196051" y="3216727"/>
+            <a:ext cx="623455" cy="623455"/>
+          </a:xfrm>
+          <a:prstGeom prst="pentagon">
+            <a:avLst/>
+          </a:prstGeom>
+          <a:solidFill>
+            <a:schemeClr val="accent2"/>
+          </a:solidFill>
+        </p:spPr>
+        <p:style>
+          <a:lnRef idx="2">
+            <a:schemeClr val="accent1">
+              <a:shade val="50000"/>
+            </a:schemeClr>
+          </a:lnRef>
+          <a:fillRef idx="1">
+            <a:schemeClr val="accent1"/>
+          </a:fillRef>
+          <a:effectRef idx="0">
+            <a:schemeClr val="accent1"/>
+          </a:effectRef>
+          <a:fontRef idx="minor">
+            <a:schemeClr val="lt1"/>
+          </a:fontRef>
+        </p:style>
+        <p:txBody>
+          <a:bodyPr rtlCol="0" anchor="ctr"/>
+          <a:lstStyle/>
+          <a:p>
+            <a:pPr algn="ctr"/>
+            <a:endParaRPr lang="en-US"/>
+          </a:p>
+        </p:txBody>
+      </p:sp>
+      <p:sp>
+        <p:nvSpPr>
+          <p:cNvPr id="16" name="Pentagon 15">
+            <a:extLst>
+              <a:ext uri="{FF2B5EF4-FFF2-40B4-BE49-F238E27FC236}">
+                <a16:creationId xmlns:a16="http://schemas.microsoft.com/office/drawing/2014/main" id="{B8A77BFC-5505-408A-89F9-28D3DC879867}"/>
+              </a:ext>
+            </a:extLst>
+          </p:cNvPr>
+          <p:cNvSpPr/>
+          <p:nvPr/>
+        </p:nvSpPr>
+        <p:spPr>
+          <a:xfrm>
+            <a:off x="7072137" y="2636920"/>
+            <a:ext cx="623455" cy="623455"/>
+          </a:xfrm>
+          <a:prstGeom prst="pentagon">
+            <a:avLst/>
+          </a:prstGeom>
+          <a:solidFill>
+            <a:schemeClr val="accent2"/>
+          </a:solidFill>
+        </p:spPr>
+        <p:style>
+          <a:lnRef idx="2">
+            <a:schemeClr val="accent1">
+              <a:shade val="50000"/>
+            </a:schemeClr>
+          </a:lnRef>
+          <a:fillRef idx="1">
+            <a:schemeClr val="accent1"/>
+          </a:fillRef>
+          <a:effectRef idx="0">
+            <a:schemeClr val="accent1"/>
+          </a:effectRef>
+          <a:fontRef idx="minor">
+            <a:schemeClr val="lt1"/>
+          </a:fontRef>
+        </p:style>
+        <p:txBody>
+          <a:bodyPr rtlCol="0" anchor="ctr"/>
+          <a:lstStyle/>
+          <a:p>
+            <a:pPr algn="ctr"/>
+            <a:endParaRPr lang="en-US"/>
+          </a:p>
+        </p:txBody>
+      </p:sp>
+      <p:sp>
+        <p:nvSpPr>
+          <p:cNvPr id="17" name="Pentagon 16">
+            <a:extLst>
+              <a:ext uri="{FF2B5EF4-FFF2-40B4-BE49-F238E27FC236}">
+                <a16:creationId xmlns:a16="http://schemas.microsoft.com/office/drawing/2014/main" id="{11AF6B93-3414-4AE2-8282-E0BD45B99550}"/>
+              </a:ext>
+            </a:extLst>
+          </p:cNvPr>
+          <p:cNvSpPr/>
+          <p:nvPr/>
+        </p:nvSpPr>
+        <p:spPr>
+          <a:xfrm>
+            <a:off x="8118842" y="3458977"/>
+            <a:ext cx="623455" cy="623455"/>
+          </a:xfrm>
+          <a:prstGeom prst="pentagon">
+            <a:avLst/>
+          </a:prstGeom>
+          <a:solidFill>
+            <a:schemeClr val="accent2"/>
+          </a:solidFill>
+        </p:spPr>
+        <p:style>
+          <a:lnRef idx="2">
+            <a:schemeClr val="accent1">
+              <a:shade val="50000"/>
+            </a:schemeClr>
+          </a:lnRef>
+          <a:fillRef idx="1">
+            <a:schemeClr val="accent1"/>
+          </a:fillRef>
+          <a:effectRef idx="0">
+            <a:schemeClr val="accent1"/>
+          </a:effectRef>
+          <a:fontRef idx="minor">
+            <a:schemeClr val="lt1"/>
+          </a:fontRef>
+        </p:style>
+        <p:txBody>
+          <a:bodyPr rtlCol="0" anchor="ctr"/>
+          <a:lstStyle/>
+          <a:p>
+            <a:pPr algn="ctr"/>
+            <a:endParaRPr lang="en-US"/>
+          </a:p>
+        </p:txBody>
+      </p:sp>
+      <p:sp>
+        <p:nvSpPr>
+          <p:cNvPr id="18" name="Pentagon 17">
+            <a:extLst>
+              <a:ext uri="{FF2B5EF4-FFF2-40B4-BE49-F238E27FC236}">
+                <a16:creationId xmlns:a16="http://schemas.microsoft.com/office/drawing/2014/main" id="{7F7924D4-2363-43B0-9B68-781AB791C355}"/>
+              </a:ext>
+            </a:extLst>
+          </p:cNvPr>
+          <p:cNvSpPr/>
+          <p:nvPr/>
+        </p:nvSpPr>
+        <p:spPr>
+          <a:xfrm>
+            <a:off x="7859514" y="2641307"/>
+            <a:ext cx="623455" cy="623455"/>
+          </a:xfrm>
+          <a:prstGeom prst="pentagon">
+            <a:avLst/>
+          </a:prstGeom>
+          <a:solidFill>
+            <a:schemeClr val="accent2"/>
+          </a:solidFill>
+        </p:spPr>
+        <p:style>
+          <a:lnRef idx="2">
+            <a:schemeClr val="accent1">
+              <a:shade val="50000"/>
+            </a:schemeClr>
+          </a:lnRef>
+          <a:fillRef idx="1">
+            <a:schemeClr val="accent1"/>
+          </a:fillRef>
+          <a:effectRef idx="0">
+            <a:schemeClr val="accent1"/>
+          </a:effectRef>
+          <a:fontRef idx="minor">
+            <a:schemeClr val="lt1"/>
+          </a:fontRef>
+        </p:style>
+        <p:txBody>
+          <a:bodyPr rtlCol="0" anchor="ctr"/>
+          <a:lstStyle/>
+          <a:p>
+            <a:pPr algn="ctr"/>
+            <a:endParaRPr lang="en-US"/>
+          </a:p>
+        </p:txBody>
+      </p:sp>
+      <p:sp>
+        <p:nvSpPr>
+          <p:cNvPr id="19" name="Rectangle 18">
+            <a:extLst>
+              <a:ext uri="{FF2B5EF4-FFF2-40B4-BE49-F238E27FC236}">
+                <a16:creationId xmlns:a16="http://schemas.microsoft.com/office/drawing/2014/main" id="{598A5F8E-6F69-4A0B-9975-1034D9564269}"/>
+              </a:ext>
+            </a:extLst>
+          </p:cNvPr>
+          <p:cNvSpPr/>
+          <p:nvPr/>
+        </p:nvSpPr>
+        <p:spPr>
+          <a:xfrm>
+            <a:off x="6658571" y="1163782"/>
+            <a:ext cx="1595967" cy="721121"/>
+          </a:xfrm>
+          <a:prstGeom prst="rect">
+            <a:avLst/>
+          </a:prstGeom>
+        </p:spPr>
+        <p:style>
+          <a:lnRef idx="2">
+            <a:schemeClr val="accent1">
+              <a:shade val="50000"/>
+            </a:schemeClr>
+          </a:lnRef>
+          <a:fillRef idx="1">
+            <a:schemeClr val="accent1"/>
+          </a:fillRef>
+          <a:effectRef idx="0">
+            <a:schemeClr val="accent1"/>
+          </a:effectRef>
+          <a:fontRef idx="minor">
+            <a:schemeClr val="lt1"/>
+          </a:fontRef>
+        </p:style>
+        <p:txBody>
+          <a:bodyPr rtlCol="0" anchor="ctr"/>
+          <a:lstStyle/>
+          <a:p>
+            <a:pPr algn="ctr"/>
+            <a:r>
+              <a:rPr lang="en-US" dirty="0"/>
+              <a:t>Handler Mapper</a:t>
+            </a:r>
+          </a:p>
+        </p:txBody>
+      </p:sp>
+      <p:cxnSp>
+        <p:nvCxnSpPr>
+          <p:cNvPr id="20" name="Straight Arrow Connector 19">
+            <a:extLst>
+              <a:ext uri="{FF2B5EF4-FFF2-40B4-BE49-F238E27FC236}">
+                <a16:creationId xmlns:a16="http://schemas.microsoft.com/office/drawing/2014/main" id="{CAFAD038-E090-45BF-B681-90A009EE8860}"/>
+              </a:ext>
+            </a:extLst>
+          </p:cNvPr>
+          <p:cNvCxnSpPr>
+            <a:endCxn id="19" idx="2"/>
+          </p:cNvCxnSpPr>
+          <p:nvPr/>
+        </p:nvCxnSpPr>
+        <p:spPr>
+          <a:xfrm flipV="1">
+            <a:off x="6658571" y="1884903"/>
+            <a:ext cx="797984" cy="684619"/>
+          </a:xfrm>
+          <a:prstGeom prst="straightConnector1">
+            <a:avLst/>
+          </a:prstGeom>
+          <a:ln>
+            <a:tailEnd type="triangle"/>
+          </a:ln>
+        </p:spPr>
+        <p:style>
+          <a:lnRef idx="1">
+            <a:schemeClr val="accent1"/>
+          </a:lnRef>
+          <a:fillRef idx="0">
+            <a:schemeClr val="accent1"/>
+          </a:fillRef>
+          <a:effectRef idx="0">
+            <a:schemeClr val="accent1"/>
+          </a:effectRef>
+          <a:fontRef idx="minor">
+            <a:schemeClr val="tx1"/>
+          </a:fontRef>
+        </p:style>
+      </p:cxnSp>
+      <p:cxnSp>
+        <p:nvCxnSpPr>
+          <p:cNvPr id="21" name="Straight Arrow Connector 20">
+            <a:extLst>
+              <a:ext uri="{FF2B5EF4-FFF2-40B4-BE49-F238E27FC236}">
+                <a16:creationId xmlns:a16="http://schemas.microsoft.com/office/drawing/2014/main" id="{D98C6311-9A77-4A36-A080-4006F2B82DE8}"/>
+              </a:ext>
+            </a:extLst>
+          </p:cNvPr>
+          <p:cNvCxnSpPr>
+            <a:stCxn id="19" idx="2"/>
+          </p:cNvCxnSpPr>
+          <p:nvPr/>
+        </p:nvCxnSpPr>
+        <p:spPr>
+          <a:xfrm>
+            <a:off x="7456555" y="1884903"/>
+            <a:ext cx="659552" cy="604442"/>
+          </a:xfrm>
+          <a:prstGeom prst="straightConnector1">
+            <a:avLst/>
+          </a:prstGeom>
+          <a:ln>
+            <a:tailEnd type="triangle"/>
+          </a:ln>
+        </p:spPr>
+        <p:style>
+          <a:lnRef idx="1">
+            <a:schemeClr val="accent1"/>
+          </a:lnRef>
+          <a:fillRef idx="0">
+            <a:schemeClr val="accent1"/>
+          </a:fillRef>
+          <a:effectRef idx="0">
+            <a:schemeClr val="accent1"/>
+          </a:effectRef>
+          <a:fontRef idx="minor">
+            <a:schemeClr val="tx1"/>
+          </a:fontRef>
+        </p:style>
+      </p:cxnSp>
+      <p:cxnSp>
+        <p:nvCxnSpPr>
+          <p:cNvPr id="22" name="Straight Arrow Connector 21">
+            <a:extLst>
+              <a:ext uri="{FF2B5EF4-FFF2-40B4-BE49-F238E27FC236}">
+                <a16:creationId xmlns:a16="http://schemas.microsoft.com/office/drawing/2014/main" id="{D8FEB0CE-FB87-4576-95CA-8312655DB7CE}"/>
+              </a:ext>
+            </a:extLst>
+          </p:cNvPr>
+          <p:cNvCxnSpPr/>
+          <p:nvPr/>
+        </p:nvCxnSpPr>
+        <p:spPr>
+          <a:xfrm flipH="1">
+            <a:off x="4549054" y="3735987"/>
+            <a:ext cx="1435684" cy="0"/>
+          </a:xfrm>
+          <a:prstGeom prst="straightConnector1">
+            <a:avLst/>
+          </a:prstGeom>
+          <a:ln>
+            <a:tailEnd type="triangle"/>
+          </a:ln>
+        </p:spPr>
+        <p:style>
+          <a:lnRef idx="1">
+            <a:schemeClr val="accent1"/>
+          </a:lnRef>
+          <a:fillRef idx="0">
+            <a:schemeClr val="accent1"/>
+          </a:fillRef>
+          <a:effectRef idx="0">
+            <a:schemeClr val="accent1"/>
+          </a:effectRef>
+          <a:fontRef idx="minor">
+            <a:schemeClr val="tx1"/>
+          </a:fontRef>
+        </p:style>
+      </p:cxnSp>
+      <p:sp>
+        <p:nvSpPr>
+          <p:cNvPr id="23" name="TextBox 22">
+            <a:extLst>
+              <a:ext uri="{FF2B5EF4-FFF2-40B4-BE49-F238E27FC236}">
+                <a16:creationId xmlns:a16="http://schemas.microsoft.com/office/drawing/2014/main" id="{DB09445A-3D7C-42F5-8232-E9BA8EE30589}"/>
+              </a:ext>
+            </a:extLst>
+          </p:cNvPr>
+          <p:cNvSpPr txBox="1"/>
+          <p:nvPr/>
+        </p:nvSpPr>
+        <p:spPr>
+          <a:xfrm>
+            <a:off x="4644470" y="3764280"/>
+            <a:ext cx="1299779" cy="584775"/>
+          </a:xfrm>
+          <a:prstGeom prst="rect">
+            <a:avLst/>
+          </a:prstGeom>
+          <a:noFill/>
+        </p:spPr>
+        <p:txBody>
+          <a:bodyPr wrap="none" rtlCol="0">
+            <a:spAutoFit/>
+          </a:bodyPr>
+          <a:lstStyle/>
+          <a:p>
+            <a:r>
+              <a:rPr lang="en-US" sz="1600" dirty="0"/>
+              <a:t>Response</a:t>
+            </a:r>
+          </a:p>
+          <a:p>
+            <a:r>
+              <a:rPr lang="en-US" sz="1600" dirty="0">
+                <a:highlight>
+                  <a:srgbClr val="FFFF00"/>
+                </a:highlight>
+              </a:rPr>
+              <a:t>(JSON,XML…)</a:t>
+            </a:r>
+          </a:p>
+        </p:txBody>
+      </p:sp>
+      <p:sp>
+        <p:nvSpPr>
+          <p:cNvPr id="30" name="TextBox 29">
+            <a:extLst>
+              <a:ext uri="{FF2B5EF4-FFF2-40B4-BE49-F238E27FC236}">
+                <a16:creationId xmlns:a16="http://schemas.microsoft.com/office/drawing/2014/main" id="{474E0727-41C8-4DAB-8E92-563A272BA09D}"/>
+              </a:ext>
+            </a:extLst>
+          </p:cNvPr>
+          <p:cNvSpPr txBox="1"/>
+          <p:nvPr/>
+        </p:nvSpPr>
+        <p:spPr>
+          <a:xfrm>
+            <a:off x="1377697" y="3670905"/>
+            <a:ext cx="982577" cy="338554"/>
+          </a:xfrm>
+          <a:prstGeom prst="rect">
+            <a:avLst/>
+          </a:prstGeom>
+          <a:noFill/>
+        </p:spPr>
+        <p:txBody>
+          <a:bodyPr wrap="none" rtlCol="0">
+            <a:spAutoFit/>
+          </a:bodyPr>
+          <a:lstStyle/>
+          <a:p>
+            <a:r>
+              <a:rPr lang="en-US" sz="1600" dirty="0"/>
+              <a:t>Response</a:t>
+            </a:r>
+          </a:p>
+        </p:txBody>
+      </p:sp>
+      <p:cxnSp>
+        <p:nvCxnSpPr>
+          <p:cNvPr id="31" name="Straight Arrow Connector 30">
+            <a:extLst>
+              <a:ext uri="{FF2B5EF4-FFF2-40B4-BE49-F238E27FC236}">
+                <a16:creationId xmlns:a16="http://schemas.microsoft.com/office/drawing/2014/main" id="{9A3F3F9A-75F5-4B47-A5B3-B73A25DC7380}"/>
+              </a:ext>
+            </a:extLst>
+          </p:cNvPr>
+          <p:cNvCxnSpPr/>
+          <p:nvPr/>
+        </p:nvCxnSpPr>
+        <p:spPr>
+          <a:xfrm flipH="1" flipV="1">
+            <a:off x="1479665" y="3491346"/>
+            <a:ext cx="1506949" cy="37108"/>
+          </a:xfrm>
+          <a:prstGeom prst="straightConnector1">
+            <a:avLst/>
+          </a:prstGeom>
+          <a:ln>
+            <a:tailEnd type="triangle"/>
+          </a:ln>
+        </p:spPr>
+        <p:style>
+          <a:lnRef idx="1">
+            <a:schemeClr val="accent1"/>
+          </a:lnRef>
+          <a:fillRef idx="0">
+            <a:schemeClr val="accent1"/>
+          </a:fillRef>
+          <a:effectRef idx="0">
+            <a:schemeClr val="accent1"/>
+          </a:effectRef>
+          <a:fontRef idx="minor">
+            <a:schemeClr val="tx1"/>
+          </a:fontRef>
+        </p:style>
+      </p:cxnSp>
+      <p:sp>
+        <p:nvSpPr>
+          <p:cNvPr id="32" name="Cylinder 31">
+            <a:extLst>
+              <a:ext uri="{FF2B5EF4-FFF2-40B4-BE49-F238E27FC236}">
+                <a16:creationId xmlns:a16="http://schemas.microsoft.com/office/drawing/2014/main" id="{43AF09B3-F4AC-4D41-A826-29BC5100A34A}"/>
+              </a:ext>
+            </a:extLst>
+          </p:cNvPr>
+          <p:cNvSpPr/>
+          <p:nvPr/>
+        </p:nvSpPr>
+        <p:spPr>
+          <a:xfrm>
+            <a:off x="10164474" y="5096603"/>
+            <a:ext cx="1338349" cy="1325563"/>
+          </a:xfrm>
+          <a:prstGeom prst="can">
+            <a:avLst/>
+          </a:prstGeom>
+        </p:spPr>
+        <p:style>
+          <a:lnRef idx="2">
+            <a:schemeClr val="accent1">
+              <a:shade val="50000"/>
+            </a:schemeClr>
+          </a:lnRef>
+          <a:fillRef idx="1">
+            <a:schemeClr val="accent1"/>
+          </a:fillRef>
+          <a:effectRef idx="0">
+            <a:schemeClr val="accent1"/>
+          </a:effectRef>
+          <a:fontRef idx="minor">
+            <a:schemeClr val="lt1"/>
+          </a:fontRef>
+        </p:style>
+        <p:txBody>
+          <a:bodyPr rtlCol="0" anchor="ctr"/>
+          <a:lstStyle/>
+          <a:p>
+            <a:pPr algn="ctr"/>
+            <a:r>
+              <a:rPr lang="en-US" dirty="0"/>
+              <a:t>DB</a:t>
+            </a:r>
+          </a:p>
+        </p:txBody>
+      </p:sp>
+      <p:sp>
+        <p:nvSpPr>
+          <p:cNvPr id="33" name="Rectangle 32">
+            <a:extLst>
+              <a:ext uri="{FF2B5EF4-FFF2-40B4-BE49-F238E27FC236}">
+                <a16:creationId xmlns:a16="http://schemas.microsoft.com/office/drawing/2014/main" id="{71D38691-D305-48BC-BB08-FFC2B6581AE9}"/>
+              </a:ext>
+            </a:extLst>
+          </p:cNvPr>
+          <p:cNvSpPr/>
+          <p:nvPr/>
+        </p:nvSpPr>
+        <p:spPr>
+          <a:xfrm>
+            <a:off x="9842270" y="3895097"/>
+            <a:ext cx="2128058" cy="610401"/>
+          </a:xfrm>
+          <a:prstGeom prst="rect">
+            <a:avLst/>
+          </a:prstGeom>
+        </p:spPr>
+        <p:style>
+          <a:lnRef idx="2">
+            <a:schemeClr val="accent1">
+              <a:shade val="50000"/>
+            </a:schemeClr>
+          </a:lnRef>
+          <a:fillRef idx="1">
+            <a:schemeClr val="accent1"/>
+          </a:fillRef>
+          <a:effectRef idx="0">
+            <a:schemeClr val="accent1"/>
+          </a:effectRef>
+          <a:fontRef idx="minor">
+            <a:schemeClr val="lt1"/>
+          </a:fontRef>
+        </p:style>
+        <p:txBody>
+          <a:bodyPr rtlCol="0" anchor="ctr"/>
+          <a:lstStyle/>
+          <a:p>
+            <a:pPr algn="ctr"/>
+            <a:r>
+              <a:rPr lang="en-US" dirty="0"/>
+              <a:t>DAO</a:t>
+            </a:r>
+          </a:p>
+        </p:txBody>
+      </p:sp>
+      <p:sp>
+        <p:nvSpPr>
+          <p:cNvPr id="34" name="Rectangle 33">
+            <a:extLst>
+              <a:ext uri="{FF2B5EF4-FFF2-40B4-BE49-F238E27FC236}">
+                <a16:creationId xmlns:a16="http://schemas.microsoft.com/office/drawing/2014/main" id="{4F27C5E9-FE71-4D1B-B7E7-CA495460F091}"/>
+              </a:ext>
+            </a:extLst>
+          </p:cNvPr>
+          <p:cNvSpPr/>
+          <p:nvPr/>
+        </p:nvSpPr>
+        <p:spPr>
+          <a:xfrm>
+            <a:off x="9797935" y="2790284"/>
+            <a:ext cx="2128058" cy="610401"/>
+          </a:xfrm>
+          <a:prstGeom prst="rect">
+            <a:avLst/>
+          </a:prstGeom>
+        </p:spPr>
+        <p:style>
+          <a:lnRef idx="2">
+            <a:schemeClr val="accent1">
+              <a:shade val="50000"/>
+            </a:schemeClr>
+          </a:lnRef>
+          <a:fillRef idx="1">
+            <a:schemeClr val="accent1"/>
+          </a:fillRef>
+          <a:effectRef idx="0">
+            <a:schemeClr val="accent1"/>
+          </a:effectRef>
+          <a:fontRef idx="minor">
+            <a:schemeClr val="lt1"/>
+          </a:fontRef>
+        </p:style>
+        <p:txBody>
+          <a:bodyPr rtlCol="0" anchor="ctr"/>
+          <a:lstStyle/>
+          <a:p>
+            <a:pPr algn="ctr"/>
+            <a:r>
+              <a:rPr lang="en-US" dirty="0"/>
+              <a:t>Service</a:t>
+            </a:r>
+          </a:p>
+        </p:txBody>
+      </p:sp>
+      <p:cxnSp>
+        <p:nvCxnSpPr>
+          <p:cNvPr id="35" name="Straight Arrow Connector 34">
+            <a:extLst>
+              <a:ext uri="{FF2B5EF4-FFF2-40B4-BE49-F238E27FC236}">
+                <a16:creationId xmlns:a16="http://schemas.microsoft.com/office/drawing/2014/main" id="{9C828A8B-3A88-4707-9778-C65F209F7EFA}"/>
+              </a:ext>
+            </a:extLst>
+          </p:cNvPr>
+          <p:cNvCxnSpPr>
+            <a:cxnSpLocks/>
+            <a:endCxn id="34" idx="1"/>
+          </p:cNvCxnSpPr>
+          <p:nvPr/>
+        </p:nvCxnSpPr>
+        <p:spPr>
+          <a:xfrm>
+            <a:off x="8817034" y="3046614"/>
+            <a:ext cx="980901" cy="48871"/>
+          </a:xfrm>
+          <a:prstGeom prst="straightConnector1">
+            <a:avLst/>
+          </a:prstGeom>
+          <a:ln>
+            <a:tailEnd type="triangle"/>
+          </a:ln>
+        </p:spPr>
+        <p:style>
+          <a:lnRef idx="1">
+            <a:schemeClr val="accent1"/>
+          </a:lnRef>
+          <a:fillRef idx="0">
+            <a:schemeClr val="accent1"/>
+          </a:fillRef>
+          <a:effectRef idx="0">
+            <a:schemeClr val="accent1"/>
+          </a:effectRef>
+          <a:fontRef idx="minor">
+            <a:schemeClr val="tx1"/>
+          </a:fontRef>
+        </p:style>
+      </p:cxnSp>
+      <p:cxnSp>
+        <p:nvCxnSpPr>
+          <p:cNvPr id="36" name="Straight Arrow Connector 35">
+            <a:extLst>
+              <a:ext uri="{FF2B5EF4-FFF2-40B4-BE49-F238E27FC236}">
+                <a16:creationId xmlns:a16="http://schemas.microsoft.com/office/drawing/2014/main" id="{F65DACC0-583F-4BC5-AB13-16C74DCEAD6D}"/>
+              </a:ext>
+            </a:extLst>
+          </p:cNvPr>
+          <p:cNvCxnSpPr/>
+          <p:nvPr/>
+        </p:nvCxnSpPr>
+        <p:spPr>
+          <a:xfrm>
+            <a:off x="11139055" y="3434039"/>
+            <a:ext cx="0" cy="461058"/>
+          </a:xfrm>
+          <a:prstGeom prst="straightConnector1">
+            <a:avLst/>
+          </a:prstGeom>
+          <a:ln>
+            <a:tailEnd type="triangle"/>
+          </a:ln>
+        </p:spPr>
+        <p:style>
+          <a:lnRef idx="1">
+            <a:schemeClr val="accent1"/>
+          </a:lnRef>
+          <a:fillRef idx="0">
+            <a:schemeClr val="accent1"/>
+          </a:fillRef>
+          <a:effectRef idx="0">
+            <a:schemeClr val="accent1"/>
+          </a:effectRef>
+          <a:fontRef idx="minor">
+            <a:schemeClr val="tx1"/>
+          </a:fontRef>
+        </p:style>
+      </p:cxnSp>
+      <p:cxnSp>
+        <p:nvCxnSpPr>
+          <p:cNvPr id="37" name="Straight Arrow Connector 36">
+            <a:extLst>
+              <a:ext uri="{FF2B5EF4-FFF2-40B4-BE49-F238E27FC236}">
+                <a16:creationId xmlns:a16="http://schemas.microsoft.com/office/drawing/2014/main" id="{01C7DF30-F27B-44DD-901D-CD75178A0D5C}"/>
+              </a:ext>
+            </a:extLst>
+          </p:cNvPr>
+          <p:cNvCxnSpPr/>
+          <p:nvPr/>
+        </p:nvCxnSpPr>
+        <p:spPr>
+          <a:xfrm>
+            <a:off x="11072553" y="4505498"/>
+            <a:ext cx="0" cy="698996"/>
+          </a:xfrm>
+          <a:prstGeom prst="straightConnector1">
+            <a:avLst/>
+          </a:prstGeom>
+          <a:ln>
+            <a:tailEnd type="triangle"/>
+          </a:ln>
+        </p:spPr>
+        <p:style>
+          <a:lnRef idx="1">
+            <a:schemeClr val="accent1"/>
+          </a:lnRef>
+          <a:fillRef idx="0">
+            <a:schemeClr val="accent1"/>
+          </a:fillRef>
+          <a:effectRef idx="0">
+            <a:schemeClr val="accent1"/>
+          </a:effectRef>
+          <a:fontRef idx="minor">
+            <a:schemeClr val="tx1"/>
+          </a:fontRef>
+        </p:style>
+      </p:cxnSp>
+      <p:cxnSp>
+        <p:nvCxnSpPr>
+          <p:cNvPr id="38" name="Straight Arrow Connector 37">
+            <a:extLst>
+              <a:ext uri="{FF2B5EF4-FFF2-40B4-BE49-F238E27FC236}">
+                <a16:creationId xmlns:a16="http://schemas.microsoft.com/office/drawing/2014/main" id="{090FB947-A385-41E2-8637-772B336C19D9}"/>
+              </a:ext>
+            </a:extLst>
+          </p:cNvPr>
+          <p:cNvCxnSpPr/>
+          <p:nvPr/>
+        </p:nvCxnSpPr>
+        <p:spPr>
+          <a:xfrm flipV="1">
+            <a:off x="10715105" y="4505498"/>
+            <a:ext cx="0" cy="698996"/>
+          </a:xfrm>
+          <a:prstGeom prst="straightConnector1">
+            <a:avLst/>
+          </a:prstGeom>
+          <a:ln>
+            <a:tailEnd type="triangle"/>
+          </a:ln>
+        </p:spPr>
+        <p:style>
+          <a:lnRef idx="1">
+            <a:schemeClr val="accent1"/>
+          </a:lnRef>
+          <a:fillRef idx="0">
+            <a:schemeClr val="accent1"/>
+          </a:fillRef>
+          <a:effectRef idx="0">
+            <a:schemeClr val="accent1"/>
+          </a:effectRef>
+          <a:fontRef idx="minor">
+            <a:schemeClr val="tx1"/>
+          </a:fontRef>
+        </p:style>
+      </p:cxnSp>
+      <p:cxnSp>
+        <p:nvCxnSpPr>
+          <p:cNvPr id="39" name="Straight Arrow Connector 38">
+            <a:extLst>
+              <a:ext uri="{FF2B5EF4-FFF2-40B4-BE49-F238E27FC236}">
+                <a16:creationId xmlns:a16="http://schemas.microsoft.com/office/drawing/2014/main" id="{C6A10C46-DF01-4CAC-9F34-2146135BF991}"/>
+              </a:ext>
+            </a:extLst>
+          </p:cNvPr>
+          <p:cNvCxnSpPr/>
+          <p:nvPr/>
+        </p:nvCxnSpPr>
+        <p:spPr>
+          <a:xfrm flipV="1">
+            <a:off x="10623665" y="3425726"/>
+            <a:ext cx="0" cy="469371"/>
+          </a:xfrm>
+          <a:prstGeom prst="straightConnector1">
+            <a:avLst/>
+          </a:prstGeom>
+          <a:ln>
+            <a:tailEnd type="triangle"/>
+          </a:ln>
+        </p:spPr>
+        <p:style>
+          <a:lnRef idx="1">
+            <a:schemeClr val="accent1"/>
+          </a:lnRef>
+          <a:fillRef idx="0">
+            <a:schemeClr val="accent1"/>
+          </a:fillRef>
+          <a:effectRef idx="0">
+            <a:schemeClr val="accent1"/>
+          </a:effectRef>
+          <a:fontRef idx="minor">
+            <a:schemeClr val="tx1"/>
+          </a:fontRef>
+        </p:style>
+      </p:cxnSp>
+      <p:cxnSp>
+        <p:nvCxnSpPr>
+          <p:cNvPr id="40" name="Straight Arrow Connector 39">
+            <a:extLst>
+              <a:ext uri="{FF2B5EF4-FFF2-40B4-BE49-F238E27FC236}">
+                <a16:creationId xmlns:a16="http://schemas.microsoft.com/office/drawing/2014/main" id="{63230616-BBAB-4231-ABF5-F2D9504C02C9}"/>
+              </a:ext>
+            </a:extLst>
+          </p:cNvPr>
+          <p:cNvCxnSpPr/>
+          <p:nvPr/>
+        </p:nvCxnSpPr>
+        <p:spPr>
+          <a:xfrm flipH="1" flipV="1">
+            <a:off x="8817034" y="3260375"/>
+            <a:ext cx="980901" cy="97967"/>
+          </a:xfrm>
+          <a:prstGeom prst="straightConnector1">
+            <a:avLst/>
+          </a:prstGeom>
+          <a:ln>
+            <a:tailEnd type="triangle"/>
+          </a:ln>
+        </p:spPr>
+        <p:style>
+          <a:lnRef idx="1">
+            <a:schemeClr val="accent1"/>
+          </a:lnRef>
+          <a:fillRef idx="0">
+            <a:schemeClr val="accent1"/>
+          </a:fillRef>
+          <a:effectRef idx="0">
+            <a:schemeClr val="accent1"/>
+          </a:effectRef>
+          <a:fontRef idx="minor">
+            <a:schemeClr val="tx1"/>
+          </a:fontRef>
+        </p:style>
+      </p:cxnSp>
+      <p:sp>
+        <p:nvSpPr>
+          <p:cNvPr id="41" name="TextBox 40">
+            <a:extLst>
+              <a:ext uri="{FF2B5EF4-FFF2-40B4-BE49-F238E27FC236}">
+                <a16:creationId xmlns:a16="http://schemas.microsoft.com/office/drawing/2014/main" id="{52CB2111-5F2F-4802-8055-509D5F220BF2}"/>
+              </a:ext>
+            </a:extLst>
+          </p:cNvPr>
+          <p:cNvSpPr txBox="1"/>
+          <p:nvPr/>
+        </p:nvSpPr>
+        <p:spPr>
+          <a:xfrm>
+            <a:off x="2922134" y="2129883"/>
+            <a:ext cx="1652760" cy="369332"/>
+          </a:xfrm>
+          <a:prstGeom prst="rect">
+            <a:avLst/>
+          </a:prstGeom>
+          <a:noFill/>
+        </p:spPr>
+        <p:txBody>
+          <a:bodyPr wrap="none" rtlCol="0">
+            <a:spAutoFit/>
+          </a:bodyPr>
+          <a:lstStyle/>
+          <a:p>
+            <a:r>
+              <a:rPr lang="en-US" b="1" dirty="0" err="1"/>
+              <a:t>FrontController</a:t>
+            </a:r>
+            <a:endParaRPr lang="en-US" b="1" dirty="0"/>
+          </a:p>
+        </p:txBody>
+      </p:sp>
+      <p:sp>
+        <p:nvSpPr>
+          <p:cNvPr id="42" name="TextBox 41">
+            <a:extLst>
+              <a:ext uri="{FF2B5EF4-FFF2-40B4-BE49-F238E27FC236}">
+                <a16:creationId xmlns:a16="http://schemas.microsoft.com/office/drawing/2014/main" id="{157DCFD3-D161-4376-81BA-0001FD5BD5EB}"/>
+              </a:ext>
+            </a:extLst>
+          </p:cNvPr>
+          <p:cNvSpPr txBox="1"/>
+          <p:nvPr/>
+        </p:nvSpPr>
+        <p:spPr>
+          <a:xfrm>
+            <a:off x="3358154" y="3640127"/>
+            <a:ext cx="1012970" cy="369332"/>
+          </a:xfrm>
+          <a:prstGeom prst="rect">
+            <a:avLst/>
+          </a:prstGeom>
+          <a:noFill/>
+        </p:spPr>
+        <p:txBody>
+          <a:bodyPr wrap="none" rtlCol="0">
+            <a:spAutoFit/>
+          </a:bodyPr>
+          <a:lstStyle/>
+          <a:p>
+            <a:r>
+              <a:rPr lang="en-US" strike="sngStrike" dirty="0"/>
+              <a:t>Web.xml</a:t>
+            </a:r>
+          </a:p>
+        </p:txBody>
+      </p:sp>
+      <p:sp>
+        <p:nvSpPr>
+          <p:cNvPr id="43" name="TextBox 42">
+            <a:extLst>
+              <a:ext uri="{FF2B5EF4-FFF2-40B4-BE49-F238E27FC236}">
+                <a16:creationId xmlns:a16="http://schemas.microsoft.com/office/drawing/2014/main" id="{FCB2ED96-2898-41F2-B45B-F24B743888DF}"/>
+              </a:ext>
+            </a:extLst>
+          </p:cNvPr>
+          <p:cNvSpPr txBox="1"/>
+          <p:nvPr/>
+        </p:nvSpPr>
+        <p:spPr>
+          <a:xfrm>
+            <a:off x="5984738" y="4560562"/>
+            <a:ext cx="3165995" cy="646331"/>
+          </a:xfrm>
+          <a:prstGeom prst="rect">
+            <a:avLst/>
+          </a:prstGeom>
+          <a:noFill/>
+        </p:spPr>
+        <p:txBody>
+          <a:bodyPr wrap="none" rtlCol="0">
+            <a:spAutoFit/>
+          </a:bodyPr>
+          <a:lstStyle/>
+          <a:p>
+            <a:pPr algn="ctr"/>
+            <a:r>
+              <a:rPr lang="en-US" dirty="0">
+                <a:highlight>
+                  <a:srgbClr val="FFFF00"/>
+                </a:highlight>
+              </a:rPr>
+              <a:t>@</a:t>
+            </a:r>
+            <a:r>
+              <a:rPr lang="en-US" dirty="0" err="1">
+                <a:highlight>
+                  <a:srgbClr val="FFFF00"/>
+                </a:highlight>
+              </a:rPr>
+              <a:t>RestController</a:t>
+            </a:r>
+            <a:endParaRPr lang="en-US" dirty="0">
+              <a:highlight>
+                <a:srgbClr val="FFFF00"/>
+              </a:highlight>
+            </a:endParaRPr>
+          </a:p>
+          <a:p>
+            <a:pPr algn="ctr"/>
+            <a:r>
+              <a:rPr lang="en-US" dirty="0">
+                <a:highlight>
+                  <a:srgbClr val="FFFF00"/>
+                </a:highlight>
+              </a:rPr>
+              <a:t>(@Controller+@</a:t>
+            </a:r>
+            <a:r>
+              <a:rPr lang="en-US" dirty="0" err="1">
+                <a:highlight>
+                  <a:srgbClr val="FFFF00"/>
+                </a:highlight>
+              </a:rPr>
+              <a:t>ResponseBody</a:t>
+            </a:r>
+            <a:r>
+              <a:rPr lang="en-US" dirty="0">
+                <a:highlight>
+                  <a:srgbClr val="FFFF00"/>
+                </a:highlight>
+              </a:rPr>
+              <a:t>)</a:t>
+            </a:r>
+          </a:p>
+        </p:txBody>
+      </p:sp>
+      <p:sp>
+        <p:nvSpPr>
+          <p:cNvPr id="44" name="TextBox 43">
+            <a:extLst>
+              <a:ext uri="{FF2B5EF4-FFF2-40B4-BE49-F238E27FC236}">
+                <a16:creationId xmlns:a16="http://schemas.microsoft.com/office/drawing/2014/main" id="{BCBB84A3-3E5D-45C6-9121-228688F6B15F}"/>
+              </a:ext>
+            </a:extLst>
+          </p:cNvPr>
+          <p:cNvSpPr txBox="1"/>
+          <p:nvPr/>
+        </p:nvSpPr>
+        <p:spPr>
+          <a:xfrm>
+            <a:off x="8088663" y="1350681"/>
+            <a:ext cx="1986249" cy="369332"/>
+          </a:xfrm>
+          <a:prstGeom prst="rect">
+            <a:avLst/>
+          </a:prstGeom>
+          <a:noFill/>
+        </p:spPr>
+        <p:txBody>
+          <a:bodyPr wrap="none" rtlCol="0">
+            <a:spAutoFit/>
+          </a:bodyPr>
+          <a:lstStyle/>
+          <a:p>
+            <a:r>
+              <a:rPr lang="en-US" dirty="0">
+                <a:highlight>
+                  <a:srgbClr val="FFFF00"/>
+                </a:highlight>
+              </a:rPr>
+              <a:t>@</a:t>
+            </a:r>
+            <a:r>
+              <a:rPr lang="en-US" dirty="0" err="1">
+                <a:highlight>
+                  <a:srgbClr val="FFFF00"/>
+                </a:highlight>
+              </a:rPr>
+              <a:t>RequestMapping</a:t>
+            </a:r>
+            <a:endParaRPr lang="en-US" dirty="0">
+              <a:highlight>
+                <a:srgbClr val="FFFF00"/>
+              </a:highlight>
+            </a:endParaRPr>
+          </a:p>
+        </p:txBody>
+      </p:sp>
+    </p:spTree>
+    <p:extLst>
+      <p:ext uri="{BB962C8B-B14F-4D97-AF65-F5344CB8AC3E}">
+        <p14:creationId xmlns:p14="http://schemas.microsoft.com/office/powerpoint/2010/main" val="2144843900"/>
+      </p:ext>
+    </p:extLst>
+  </p:cSld>
+  <p:clrMapOvr>
+    <a:masterClrMapping/>
+  </p:clrMapOvr>
+</p:sld>
+</file>
+
+<file path=ppt/slides/slide26.xml><?xml version="1.0" encoding="utf-8"?>
+<p:sld xmlns:a="http://schemas.openxmlformats.org/drawingml/2006/main" xmlns:r="http://schemas.openxmlformats.org/officeDocument/2006/relationships" xmlns:p="http://schemas.openxmlformats.org/presentationml/2006/main">
+  <p:cSld>
+    <p:spTree>
+      <p:nvGrpSpPr>
+        <p:cNvPr id="1" name=""/>
+        <p:cNvGrpSpPr/>
+        <p:nvPr/>
+      </p:nvGrpSpPr>
+      <p:grpSpPr>
+        <a:xfrm>
+          <a:off x="0" y="0"/>
+          <a:ext cx="0" cy="0"/>
+          <a:chOff x="0" y="0"/>
+          <a:chExt cx="0" cy="0"/>
+        </a:xfrm>
+      </p:grpSpPr>
+      <p:sp>
+        <p:nvSpPr>
+          <p:cNvPr id="2" name="Title 1">
+            <a:extLst>
+              <a:ext uri="{FF2B5EF4-FFF2-40B4-BE49-F238E27FC236}">
+                <a16:creationId xmlns:a16="http://schemas.microsoft.com/office/drawing/2014/main" id="{B6DFF646-8A8A-46BD-8026-9511A668CED3}"/>
+              </a:ext>
+            </a:extLst>
+          </p:cNvPr>
+          <p:cNvSpPr>
+            <a:spLocks noGrp="1"/>
+          </p:cNvSpPr>
+          <p:nvPr>
+            <p:ph type="title"/>
+          </p:nvPr>
+        </p:nvSpPr>
+        <p:spPr/>
+        <p:txBody>
+          <a:bodyPr/>
+          <a:lstStyle/>
+          <a:p>
+            <a:r>
+              <a:rPr lang="en-US" dirty="0"/>
+              <a:t>Your Task </a:t>
+            </a:r>
+          </a:p>
+        </p:txBody>
+      </p:sp>
+      <p:sp>
+        <p:nvSpPr>
+          <p:cNvPr id="3" name="Content Placeholder 2">
+            <a:extLst>
+              <a:ext uri="{FF2B5EF4-FFF2-40B4-BE49-F238E27FC236}">
+                <a16:creationId xmlns:a16="http://schemas.microsoft.com/office/drawing/2014/main" id="{BD8CCE4C-C1EA-419E-92CE-257D7D08E046}"/>
+              </a:ext>
+            </a:extLst>
+          </p:cNvPr>
+          <p:cNvSpPr>
+            <a:spLocks noGrp="1"/>
+          </p:cNvSpPr>
+          <p:nvPr>
+            <p:ph idx="1"/>
+          </p:nvPr>
+        </p:nvSpPr>
+        <p:spPr/>
+        <p:txBody>
+          <a:bodyPr/>
+          <a:lstStyle/>
+          <a:p>
+            <a:r>
+              <a:rPr lang="en-US" dirty="0" err="1"/>
+              <a:t>PutMapping</a:t>
+            </a:r>
+            <a:r>
+              <a:rPr lang="en-US" dirty="0"/>
+              <a:t>, delete Mapping and Patch Mapping</a:t>
+            </a:r>
+          </a:p>
+          <a:p>
+            <a:r>
+              <a:rPr lang="en-US" dirty="0"/>
+              <a:t>You should with </a:t>
+            </a:r>
+            <a:r>
+              <a:rPr lang="en-US" dirty="0" err="1"/>
+              <a:t>LocalDate</a:t>
+            </a:r>
+            <a:endParaRPr lang="en-US" dirty="0"/>
+          </a:p>
+          <a:p>
+            <a:endParaRPr lang="en-US" dirty="0"/>
+          </a:p>
+          <a:p>
+            <a:r>
+              <a:rPr lang="en-US" dirty="0"/>
+              <a:t>Tomorrow – </a:t>
+            </a:r>
+            <a:r>
+              <a:rPr lang="en-US" dirty="0" err="1"/>
+              <a:t>Icompass</a:t>
+            </a:r>
+            <a:r>
+              <a:rPr lang="en-US" dirty="0"/>
+              <a:t> Assessment</a:t>
+            </a:r>
+          </a:p>
+          <a:p>
+            <a:endParaRPr lang="en-US" dirty="0"/>
+          </a:p>
+        </p:txBody>
+      </p:sp>
+    </p:spTree>
+    <p:extLst>
+      <p:ext uri="{BB962C8B-B14F-4D97-AF65-F5344CB8AC3E}">
+        <p14:creationId xmlns:p14="http://schemas.microsoft.com/office/powerpoint/2010/main" val="1025027314"/>
+      </p:ext>
+    </p:extLst>
+  </p:cSld>
+  <p:clrMapOvr>
+    <a:masterClrMapping/>
+  </p:clrMapOvr>
+</p:sld>
+</file>
+
+<file path=ppt/slides/slide27.xml><?xml version="1.0" encoding="utf-8"?>
+<p:sld xmlns:a="http://schemas.openxmlformats.org/drawingml/2006/main" xmlns:r="http://schemas.openxmlformats.org/officeDocument/2006/relationships" xmlns:p="http://schemas.openxmlformats.org/presentationml/2006/main">
+  <p:cSld>
+    <p:spTree>
+      <p:nvGrpSpPr>
+        <p:cNvPr id="1" name=""/>
+        <p:cNvGrpSpPr/>
+        <p:nvPr/>
+      </p:nvGrpSpPr>
+      <p:grpSpPr>
+        <a:xfrm>
+          <a:off x="0" y="0"/>
+          <a:ext cx="0" cy="0"/>
+          <a:chOff x="0" y="0"/>
+          <a:chExt cx="0" cy="0"/>
+        </a:xfrm>
+      </p:grpSpPr>
+      <p:sp>
+        <p:nvSpPr>
+          <p:cNvPr id="2" name="Title 1">
+            <a:extLst>
+              <a:ext uri="{FF2B5EF4-FFF2-40B4-BE49-F238E27FC236}">
+                <a16:creationId xmlns:a16="http://schemas.microsoft.com/office/drawing/2014/main" id="{67A31664-062B-4546-8620-521EC1AF7551}"/>
+              </a:ext>
+            </a:extLst>
+          </p:cNvPr>
+          <p:cNvSpPr>
+            <a:spLocks noGrp="1"/>
+          </p:cNvSpPr>
+          <p:nvPr>
+            <p:ph type="title"/>
+          </p:nvPr>
+        </p:nvSpPr>
+        <p:spPr/>
+        <p:txBody>
+          <a:bodyPr/>
+          <a:lstStyle/>
+          <a:p>
+            <a:r>
+              <a:rPr lang="en-US" dirty="0"/>
+              <a:t>JPA with hibernate</a:t>
+            </a:r>
+          </a:p>
+        </p:txBody>
+      </p:sp>
+      <p:sp>
+        <p:nvSpPr>
+          <p:cNvPr id="3" name="Content Placeholder 2">
+            <a:extLst>
+              <a:ext uri="{FF2B5EF4-FFF2-40B4-BE49-F238E27FC236}">
+                <a16:creationId xmlns:a16="http://schemas.microsoft.com/office/drawing/2014/main" id="{6F135C3A-5E0E-4ECA-BAC6-5F3186BE082D}"/>
+              </a:ext>
+            </a:extLst>
+          </p:cNvPr>
+          <p:cNvSpPr>
+            <a:spLocks noGrp="1"/>
+          </p:cNvSpPr>
+          <p:nvPr>
+            <p:ph idx="1"/>
+          </p:nvPr>
+        </p:nvSpPr>
+        <p:spPr/>
+        <p:txBody>
+          <a:bodyPr/>
+          <a:lstStyle/>
+          <a:p>
+            <a:r>
+              <a:rPr lang="en-US" dirty="0"/>
+              <a:t>JPA  </a:t>
+            </a:r>
+            <a:r>
+              <a:rPr lang="en-US" dirty="0">
+                <a:sym typeface="Wingdings" panose="05000000000000000000" pitchFamily="2" charset="2"/>
+              </a:rPr>
+              <a:t> Specification</a:t>
+            </a:r>
+          </a:p>
+          <a:p>
+            <a:r>
+              <a:rPr lang="en-US" dirty="0">
+                <a:sym typeface="Wingdings" panose="05000000000000000000" pitchFamily="2" charset="2"/>
+              </a:rPr>
+              <a:t>Implementations</a:t>
+            </a:r>
+          </a:p>
+          <a:p>
+            <a:pPr lvl="1"/>
+            <a:r>
+              <a:rPr lang="en-US" dirty="0">
+                <a:sym typeface="Wingdings" panose="05000000000000000000" pitchFamily="2" charset="2"/>
+              </a:rPr>
+              <a:t>Hibernate, </a:t>
+            </a:r>
+            <a:r>
+              <a:rPr lang="en-US" dirty="0" err="1">
+                <a:sym typeface="Wingdings" panose="05000000000000000000" pitchFamily="2" charset="2"/>
+              </a:rPr>
+              <a:t>Ibatics</a:t>
+            </a:r>
+            <a:r>
+              <a:rPr lang="en-US" dirty="0">
+                <a:sym typeface="Wingdings" panose="05000000000000000000" pitchFamily="2" charset="2"/>
+              </a:rPr>
+              <a:t>, </a:t>
+            </a:r>
+            <a:r>
+              <a:rPr lang="en-US" dirty="0" err="1">
+                <a:sym typeface="Wingdings" panose="05000000000000000000" pitchFamily="2" charset="2"/>
+              </a:rPr>
+              <a:t>Toplinks</a:t>
+            </a:r>
+            <a:r>
+              <a:rPr lang="en-US" dirty="0">
+                <a:sym typeface="Wingdings" panose="05000000000000000000" pitchFamily="2" charset="2"/>
+              </a:rPr>
+              <a:t> (ORM)</a:t>
+            </a:r>
+          </a:p>
+          <a:p>
+            <a:r>
+              <a:rPr lang="en-US" dirty="0">
+                <a:highlight>
+                  <a:srgbClr val="FFFF00"/>
+                </a:highlight>
+                <a:sym typeface="Wingdings" panose="05000000000000000000" pitchFamily="2" charset="2"/>
+              </a:rPr>
+              <a:t>Object</a:t>
+            </a:r>
+            <a:r>
+              <a:rPr lang="en-US" dirty="0">
+                <a:sym typeface="Wingdings" panose="05000000000000000000" pitchFamily="2" charset="2"/>
+              </a:rPr>
+              <a:t> </a:t>
+            </a:r>
+            <a:r>
+              <a:rPr lang="en-US" dirty="0">
+                <a:highlight>
+                  <a:srgbClr val="00FF00"/>
+                </a:highlight>
+                <a:sym typeface="Wingdings" panose="05000000000000000000" pitchFamily="2" charset="2"/>
+              </a:rPr>
+              <a:t>Relation</a:t>
+            </a:r>
+            <a:r>
+              <a:rPr lang="en-US" dirty="0">
+                <a:sym typeface="Wingdings" panose="05000000000000000000" pitchFamily="2" charset="2"/>
+              </a:rPr>
+              <a:t> Mapping</a:t>
+            </a:r>
+          </a:p>
+          <a:p>
+            <a:r>
+              <a:rPr lang="en-US" dirty="0">
+                <a:sym typeface="Wingdings" panose="05000000000000000000" pitchFamily="2" charset="2"/>
+              </a:rPr>
+              <a:t>Configurations</a:t>
+            </a:r>
+          </a:p>
+          <a:p>
+            <a:endParaRPr lang="en-US" dirty="0">
+              <a:sym typeface="Wingdings" panose="05000000000000000000" pitchFamily="2" charset="2"/>
+            </a:endParaRPr>
+          </a:p>
+          <a:p>
+            <a:pPr lvl="1"/>
+            <a:endParaRPr lang="en-US" dirty="0"/>
+          </a:p>
+        </p:txBody>
+      </p:sp>
+    </p:spTree>
+    <p:extLst>
+      <p:ext uri="{BB962C8B-B14F-4D97-AF65-F5344CB8AC3E}">
+        <p14:creationId xmlns:p14="http://schemas.microsoft.com/office/powerpoint/2010/main" val="1469603920"/>
+      </p:ext>
+    </p:extLst>
+  </p:cSld>
+  <p:clrMapOvr>
+    <a:masterClrMapping/>
+  </p:clrMapOvr>
+</p:sld>
+</file>
+
+<file path=ppt/slides/slide28.xml><?xml version="1.0" encoding="utf-8"?>
+<p:sld xmlns:a="http://schemas.openxmlformats.org/drawingml/2006/main" xmlns:r="http://schemas.openxmlformats.org/officeDocument/2006/relationships" xmlns:p="http://schemas.openxmlformats.org/presentationml/2006/main">
+  <p:cSld>
+    <p:spTree>
+      <p:nvGrpSpPr>
+        <p:cNvPr id="1" name=""/>
+        <p:cNvGrpSpPr/>
+        <p:nvPr/>
+      </p:nvGrpSpPr>
+      <p:grpSpPr>
+        <a:xfrm>
+          <a:off x="0" y="0"/>
+          <a:ext cx="0" cy="0"/>
+          <a:chOff x="0" y="0"/>
+          <a:chExt cx="0" cy="0"/>
+        </a:xfrm>
+      </p:grpSpPr>
+      <p:sp>
+        <p:nvSpPr>
+          <p:cNvPr id="2" name="Title 1">
+            <a:extLst>
+              <a:ext uri="{FF2B5EF4-FFF2-40B4-BE49-F238E27FC236}">
+                <a16:creationId xmlns:a16="http://schemas.microsoft.com/office/drawing/2014/main" id="{204E0E16-5B4D-4206-BDF8-F51A431E0D91}"/>
+              </a:ext>
+            </a:extLst>
+          </p:cNvPr>
+          <p:cNvSpPr>
+            <a:spLocks noGrp="1"/>
+          </p:cNvSpPr>
+          <p:nvPr>
+            <p:ph type="title"/>
+          </p:nvPr>
+        </p:nvSpPr>
+        <p:spPr/>
+        <p:txBody>
+          <a:bodyPr/>
+          <a:lstStyle/>
+          <a:p>
+            <a:r>
+              <a:rPr lang="en-US" dirty="0"/>
+              <a:t>JDBC 				vs 	JPA</a:t>
+            </a:r>
+          </a:p>
+        </p:txBody>
+      </p:sp>
+      <p:sp>
+        <p:nvSpPr>
+          <p:cNvPr id="3" name="Content Placeholder 2">
+            <a:extLst>
+              <a:ext uri="{FF2B5EF4-FFF2-40B4-BE49-F238E27FC236}">
+                <a16:creationId xmlns:a16="http://schemas.microsoft.com/office/drawing/2014/main" id="{E8808C04-D8FA-4702-BFE4-B0B027CB1426}"/>
+              </a:ext>
+            </a:extLst>
+          </p:cNvPr>
+          <p:cNvSpPr>
+            <a:spLocks noGrp="1"/>
+          </p:cNvSpPr>
+          <p:nvPr>
+            <p:ph idx="1"/>
+          </p:nvPr>
+        </p:nvSpPr>
+        <p:spPr>
+          <a:xfrm>
+            <a:off x="838200" y="1825625"/>
+            <a:ext cx="4750942" cy="4351338"/>
+          </a:xfrm>
+        </p:spPr>
+        <p:txBody>
+          <a:bodyPr/>
+          <a:lstStyle/>
+          <a:p>
+            <a:r>
+              <a:rPr lang="en-US" dirty="0" err="1"/>
+              <a:t>Sql</a:t>
+            </a:r>
+            <a:r>
+              <a:rPr lang="en-US" dirty="0"/>
+              <a:t> data need to be converted to Java Object (manually)</a:t>
+            </a:r>
+          </a:p>
+          <a:p>
+            <a:r>
+              <a:rPr lang="en-US" dirty="0"/>
+              <a:t>SQL Queries (</a:t>
+            </a:r>
+            <a:r>
+              <a:rPr lang="en-US" dirty="0" err="1"/>
+              <a:t>MySql</a:t>
+            </a:r>
+            <a:r>
+              <a:rPr lang="en-US" dirty="0"/>
+              <a:t>, Oracle, </a:t>
+            </a:r>
+            <a:r>
+              <a:rPr lang="en-US" dirty="0" err="1"/>
+              <a:t>DBDerby</a:t>
+            </a:r>
+            <a:r>
+              <a:rPr lang="en-US" dirty="0"/>
+              <a:t>, </a:t>
+            </a:r>
+            <a:r>
+              <a:rPr lang="en-US" dirty="0" err="1"/>
+              <a:t>MSSQl</a:t>
+            </a:r>
+            <a:r>
+              <a:rPr lang="en-US" dirty="0"/>
+              <a:t>….)</a:t>
+            </a:r>
+          </a:p>
+          <a:p>
+            <a:r>
+              <a:rPr lang="en-US" dirty="0"/>
+              <a:t>Consider </a:t>
+            </a:r>
+            <a:r>
+              <a:rPr lang="en-US" dirty="0" err="1"/>
+              <a:t>DataTypes</a:t>
+            </a:r>
+            <a:r>
+              <a:rPr lang="en-US" dirty="0"/>
+              <a:t> (Java and SQL)</a:t>
+            </a:r>
+          </a:p>
+          <a:p>
+            <a:r>
+              <a:rPr lang="en-US" dirty="0"/>
+              <a:t>Cache manually need to be configured</a:t>
+            </a:r>
+          </a:p>
+          <a:p>
+            <a:r>
+              <a:rPr lang="en-US" dirty="0"/>
+              <a:t>DB migration not easy</a:t>
+            </a:r>
+          </a:p>
+        </p:txBody>
+      </p:sp>
+      <p:sp>
+        <p:nvSpPr>
+          <p:cNvPr id="4" name="Content Placeholder 2">
+            <a:extLst>
+              <a:ext uri="{FF2B5EF4-FFF2-40B4-BE49-F238E27FC236}">
+                <a16:creationId xmlns:a16="http://schemas.microsoft.com/office/drawing/2014/main" id="{150628D9-4515-47E3-9B8F-B789CED4BDEF}"/>
+              </a:ext>
+            </a:extLst>
+          </p:cNvPr>
+          <p:cNvSpPr txBox="1">
+            <a:spLocks/>
+          </p:cNvSpPr>
+          <p:nvPr/>
+        </p:nvSpPr>
+        <p:spPr>
+          <a:xfrm>
+            <a:off x="6168775" y="1810463"/>
+            <a:ext cx="4750942" cy="4351338"/>
+          </a:xfrm>
+          <a:prstGeom prst="rect">
+            <a:avLst/>
+          </a:prstGeom>
+        </p:spPr>
+        <p:txBody>
+          <a:bodyPr vert="horz" lIns="91440" tIns="45720" rIns="91440" bIns="45720" rtlCol="0">
+            <a:normAutofit lnSpcReduction="10000"/>
+          </a:bodyPr>
+          <a:lstStyle>
+            <a:lvl1pPr marL="228600" indent="-228600" algn="l" defTabSz="914400" rtl="0" eaLnBrk="1" latinLnBrk="0" hangingPunct="1">
+              <a:lnSpc>
+                <a:spcPct val="90000"/>
+              </a:lnSpc>
+              <a:spcBef>
+                <a:spcPts val="1000"/>
+              </a:spcBef>
+              <a:buFont typeface="Arial" panose="020B0604020202020204" pitchFamily="34" charset="0"/>
+              <a:buChar char="•"/>
+              <a:defRPr sz="2800" kern="1200">
+                <a:solidFill>
+                  <a:schemeClr val="tx1"/>
+                </a:solidFill>
+                <a:latin typeface="+mn-lt"/>
+                <a:ea typeface="+mn-ea"/>
+                <a:cs typeface="+mn-cs"/>
+              </a:defRPr>
+            </a:lvl1pPr>
+            <a:lvl2pPr marL="685800" indent="-228600" algn="l" defTabSz="914400" rtl="0" eaLnBrk="1" latinLnBrk="0" hangingPunct="1">
+              <a:lnSpc>
+                <a:spcPct val="90000"/>
+              </a:lnSpc>
+              <a:spcBef>
+                <a:spcPts val="500"/>
+              </a:spcBef>
+              <a:buFont typeface="Arial" panose="020B0604020202020204" pitchFamily="34" charset="0"/>
+              <a:buChar char="•"/>
+              <a:defRPr sz="2400" kern="1200">
+                <a:solidFill>
+                  <a:schemeClr val="tx1"/>
+                </a:solidFill>
+                <a:latin typeface="+mn-lt"/>
+                <a:ea typeface="+mn-ea"/>
+                <a:cs typeface="+mn-cs"/>
+              </a:defRPr>
+            </a:lvl2pPr>
+            <a:lvl3pPr marL="1143000" indent="-228600" algn="l" defTabSz="914400" rtl="0" eaLnBrk="1" latinLnBrk="0" hangingPunct="1">
+              <a:lnSpc>
+                <a:spcPct val="90000"/>
+              </a:lnSpc>
+              <a:spcBef>
+                <a:spcPts val="500"/>
+              </a:spcBef>
+              <a:buFont typeface="Arial" panose="020B0604020202020204" pitchFamily="34" charset="0"/>
+              <a:buChar char="•"/>
+              <a:defRPr sz="2000" kern="1200">
+                <a:solidFill>
+                  <a:schemeClr val="tx1"/>
+                </a:solidFill>
+                <a:latin typeface="+mn-lt"/>
+                <a:ea typeface="+mn-ea"/>
+                <a:cs typeface="+mn-cs"/>
+              </a:defRPr>
+            </a:lvl3pPr>
+            <a:lvl4pPr marL="1600200" indent="-228600" algn="l" defTabSz="914400" rtl="0" eaLnBrk="1" latinLnBrk="0" hangingPunct="1">
+              <a:lnSpc>
+                <a:spcPct val="90000"/>
+              </a:lnSpc>
+              <a:spcBef>
+                <a:spcPts val="500"/>
+              </a:spcBef>
+              <a:buFont typeface="Arial" panose="020B0604020202020204" pitchFamily="34" charset="0"/>
+              <a:buChar char="•"/>
+              <a:defRPr sz="1800" kern="1200">
+                <a:solidFill>
+                  <a:schemeClr val="tx1"/>
+                </a:solidFill>
+                <a:latin typeface="+mn-lt"/>
+                <a:ea typeface="+mn-ea"/>
+                <a:cs typeface="+mn-cs"/>
+              </a:defRPr>
+            </a:lvl4pPr>
+            <a:lvl5pPr marL="2057400" indent="-228600" algn="l" defTabSz="914400" rtl="0" eaLnBrk="1" latinLnBrk="0" hangingPunct="1">
+              <a:lnSpc>
+                <a:spcPct val="90000"/>
+              </a:lnSpc>
+              <a:spcBef>
+                <a:spcPts val="500"/>
+              </a:spcBef>
+              <a:buFont typeface="Arial" panose="020B0604020202020204" pitchFamily="34" charset="0"/>
+              <a:buChar char="•"/>
+              <a:defRPr sz="1800" kern="1200">
+                <a:solidFill>
+                  <a:schemeClr val="tx1"/>
+                </a:solidFill>
+                <a:latin typeface="+mn-lt"/>
+                <a:ea typeface="+mn-ea"/>
+                <a:cs typeface="+mn-cs"/>
+              </a:defRPr>
+            </a:lvl5pPr>
+            <a:lvl6pPr marL="2514600" indent="-228600" algn="l" defTabSz="914400" rtl="0" eaLnBrk="1" latinLnBrk="0" hangingPunct="1">
+              <a:lnSpc>
+                <a:spcPct val="90000"/>
+              </a:lnSpc>
+              <a:spcBef>
+                <a:spcPts val="500"/>
+              </a:spcBef>
+              <a:buFont typeface="Arial" panose="020B0604020202020204" pitchFamily="34" charset="0"/>
+              <a:buChar char="•"/>
+              <a:defRPr sz="1800" kern="1200">
+                <a:solidFill>
+                  <a:schemeClr val="tx1"/>
+                </a:solidFill>
+                <a:latin typeface="+mn-lt"/>
+                <a:ea typeface="+mn-ea"/>
+                <a:cs typeface="+mn-cs"/>
+              </a:defRPr>
+            </a:lvl6pPr>
+            <a:lvl7pPr marL="2971800" indent="-228600" algn="l" defTabSz="914400" rtl="0" eaLnBrk="1" latinLnBrk="0" hangingPunct="1">
+              <a:lnSpc>
+                <a:spcPct val="90000"/>
+              </a:lnSpc>
+              <a:spcBef>
+                <a:spcPts val="500"/>
+              </a:spcBef>
+              <a:buFont typeface="Arial" panose="020B0604020202020204" pitchFamily="34" charset="0"/>
+              <a:buChar char="•"/>
+              <a:defRPr sz="1800" kern="1200">
+                <a:solidFill>
+                  <a:schemeClr val="tx1"/>
+                </a:solidFill>
+                <a:latin typeface="+mn-lt"/>
+                <a:ea typeface="+mn-ea"/>
+                <a:cs typeface="+mn-cs"/>
+              </a:defRPr>
+            </a:lvl7pPr>
+            <a:lvl8pPr marL="3429000" indent="-228600" algn="l" defTabSz="914400" rtl="0" eaLnBrk="1" latinLnBrk="0" hangingPunct="1">
+              <a:lnSpc>
+                <a:spcPct val="90000"/>
+              </a:lnSpc>
+              <a:spcBef>
+                <a:spcPts val="500"/>
+              </a:spcBef>
+              <a:buFont typeface="Arial" panose="020B0604020202020204" pitchFamily="34" charset="0"/>
+              <a:buChar char="•"/>
+              <a:defRPr sz="1800" kern="1200">
+                <a:solidFill>
+                  <a:schemeClr val="tx1"/>
+                </a:solidFill>
+                <a:latin typeface="+mn-lt"/>
+                <a:ea typeface="+mn-ea"/>
+                <a:cs typeface="+mn-cs"/>
+              </a:defRPr>
+            </a:lvl8pPr>
+            <a:lvl9pPr marL="3886200" indent="-228600" algn="l" defTabSz="914400" rtl="0" eaLnBrk="1" latinLnBrk="0" hangingPunct="1">
+              <a:lnSpc>
+                <a:spcPct val="90000"/>
+              </a:lnSpc>
+              <a:spcBef>
+                <a:spcPts val="500"/>
+              </a:spcBef>
+              <a:buFont typeface="Arial" panose="020B0604020202020204" pitchFamily="34" charset="0"/>
+              <a:buChar char="•"/>
+              <a:defRPr sz="1800" kern="1200">
+                <a:solidFill>
+                  <a:schemeClr val="tx1"/>
+                </a:solidFill>
+                <a:latin typeface="+mn-lt"/>
+                <a:ea typeface="+mn-ea"/>
+                <a:cs typeface="+mn-cs"/>
+              </a:defRPr>
+            </a:lvl9pPr>
+          </a:lstStyle>
+          <a:p>
+            <a:r>
+              <a:rPr lang="en-US" dirty="0"/>
+              <a:t>Not need convert the objects (Automated)</a:t>
+            </a:r>
+          </a:p>
+          <a:p>
+            <a:r>
+              <a:rPr lang="en-US" dirty="0"/>
+              <a:t>JPQL (Java Persist Query Language) Not specific to any DB (dialects)</a:t>
+            </a:r>
+          </a:p>
+          <a:p>
+            <a:r>
+              <a:rPr lang="en-US" dirty="0"/>
+              <a:t>Follow Java </a:t>
+            </a:r>
+            <a:r>
+              <a:rPr lang="en-US" dirty="0" err="1"/>
+              <a:t>DataType</a:t>
+            </a:r>
+            <a:r>
+              <a:rPr lang="en-US" dirty="0"/>
+              <a:t> (dialects)</a:t>
+            </a:r>
+          </a:p>
+          <a:p>
+            <a:r>
+              <a:rPr lang="en-US" dirty="0"/>
+              <a:t>By default First level Cache, second, query cache config</a:t>
+            </a:r>
+          </a:p>
+          <a:p>
+            <a:r>
+              <a:rPr lang="en-US" dirty="0"/>
+              <a:t>DB migration easy</a:t>
+            </a:r>
+          </a:p>
+          <a:p>
+            <a:endParaRPr lang="en-US" dirty="0"/>
+          </a:p>
+        </p:txBody>
+      </p:sp>
+    </p:spTree>
+    <p:extLst>
+      <p:ext uri="{BB962C8B-B14F-4D97-AF65-F5344CB8AC3E}">
+        <p14:creationId xmlns:p14="http://schemas.microsoft.com/office/powerpoint/2010/main" val="98193786"/>
+      </p:ext>
+    </p:extLst>
+  </p:cSld>
+  <p:clrMapOvr>
+    <a:masterClrMapping/>
+  </p:clrMapOvr>
+</p:sld>
+</file>
+
+<file path=ppt/slides/slide29.xml><?xml version="1.0" encoding="utf-8"?>
+<p:sld xmlns:a="http://schemas.openxmlformats.org/drawingml/2006/main" xmlns:r="http://schemas.openxmlformats.org/officeDocument/2006/relationships" xmlns:p="http://schemas.openxmlformats.org/presentationml/2006/main">
+  <p:cSld>
+    <p:spTree>
+      <p:nvGrpSpPr>
+        <p:cNvPr id="1" name=""/>
+        <p:cNvGrpSpPr/>
+        <p:nvPr/>
+      </p:nvGrpSpPr>
+      <p:grpSpPr>
+        <a:xfrm>
+          <a:off x="0" y="0"/>
+          <a:ext cx="0" cy="0"/>
+          <a:chOff x="0" y="0"/>
+          <a:chExt cx="0" cy="0"/>
+        </a:xfrm>
+      </p:grpSpPr>
+      <p:sp>
+        <p:nvSpPr>
+          <p:cNvPr id="2" name="Title 1">
+            <a:extLst>
+              <a:ext uri="{FF2B5EF4-FFF2-40B4-BE49-F238E27FC236}">
+                <a16:creationId xmlns:a16="http://schemas.microsoft.com/office/drawing/2014/main" id="{C11F8EE2-9982-4D9A-A344-560F776D345E}"/>
+              </a:ext>
+            </a:extLst>
+          </p:cNvPr>
+          <p:cNvSpPr>
+            <a:spLocks noGrp="1"/>
+          </p:cNvSpPr>
+          <p:nvPr>
+            <p:ph type="title"/>
+          </p:nvPr>
+        </p:nvSpPr>
+        <p:spPr/>
+        <p:txBody>
+          <a:bodyPr/>
+          <a:lstStyle/>
+          <a:p>
+            <a:r>
+              <a:rPr lang="en-US" dirty="0"/>
+              <a:t>JPA2.1 with Hibernate</a:t>
+            </a:r>
+          </a:p>
+        </p:txBody>
+      </p:sp>
+      <p:sp>
+        <p:nvSpPr>
+          <p:cNvPr id="3" name="Content Placeholder 2">
+            <a:extLst>
+              <a:ext uri="{FF2B5EF4-FFF2-40B4-BE49-F238E27FC236}">
+                <a16:creationId xmlns:a16="http://schemas.microsoft.com/office/drawing/2014/main" id="{B357ECA8-1719-495F-AFDF-22C4845C3F9E}"/>
+              </a:ext>
+            </a:extLst>
+          </p:cNvPr>
+          <p:cNvSpPr>
+            <a:spLocks noGrp="1"/>
+          </p:cNvSpPr>
+          <p:nvPr>
+            <p:ph idx="1"/>
+          </p:nvPr>
+        </p:nvSpPr>
+        <p:spPr/>
+        <p:txBody>
+          <a:bodyPr/>
+          <a:lstStyle/>
+          <a:p>
+            <a:r>
+              <a:rPr lang="en-US" dirty="0"/>
+              <a:t>Implementations</a:t>
+            </a:r>
+          </a:p>
+          <a:p>
+            <a:pPr lvl="1"/>
+            <a:r>
+              <a:rPr lang="en-US" dirty="0"/>
+              <a:t>Jars (hibernate-core)</a:t>
+            </a:r>
+          </a:p>
+          <a:p>
+            <a:pPr lvl="2"/>
+            <a:r>
+              <a:rPr lang="en-US" dirty="0"/>
+              <a:t>DB (</a:t>
+            </a:r>
+            <a:r>
+              <a:rPr lang="en-US" dirty="0" err="1"/>
+              <a:t>mysql</a:t>
+            </a:r>
+            <a:r>
+              <a:rPr lang="en-US" dirty="0"/>
+              <a:t> jar)</a:t>
+            </a:r>
+          </a:p>
+          <a:p>
+            <a:pPr lvl="1"/>
+            <a:r>
+              <a:rPr lang="en-US" dirty="0"/>
+              <a:t>Persistence.xml </a:t>
+            </a:r>
+            <a:r>
+              <a:rPr lang="en-US" dirty="0">
+                <a:sym typeface="Wingdings" panose="05000000000000000000" pitchFamily="2" charset="2"/>
+              </a:rPr>
+              <a:t> Configuration (DB connection details + properties)</a:t>
+            </a:r>
+          </a:p>
+          <a:p>
+            <a:pPr lvl="1"/>
+            <a:r>
+              <a:rPr lang="en-US" dirty="0">
+                <a:sym typeface="Wingdings" panose="05000000000000000000" pitchFamily="2" charset="2"/>
+              </a:rPr>
+              <a:t>Configurations for ORM (@Entity, @ID ,…..)</a:t>
+            </a:r>
+          </a:p>
+          <a:p>
+            <a:pPr lvl="1"/>
+            <a:r>
+              <a:rPr lang="en-US" dirty="0">
+                <a:sym typeface="Wingdings" panose="05000000000000000000" pitchFamily="2" charset="2"/>
+              </a:rPr>
+              <a:t>JPA Objects</a:t>
+            </a:r>
+          </a:p>
+          <a:p>
+            <a:pPr lvl="2"/>
+            <a:r>
+              <a:rPr lang="en-US" dirty="0" err="1">
+                <a:sym typeface="Wingdings" panose="05000000000000000000" pitchFamily="2" charset="2"/>
+              </a:rPr>
+              <a:t>EntityManagerFactory</a:t>
+            </a:r>
+            <a:endParaRPr lang="en-US" dirty="0">
+              <a:sym typeface="Wingdings" panose="05000000000000000000" pitchFamily="2" charset="2"/>
+            </a:endParaRPr>
+          </a:p>
+          <a:p>
+            <a:pPr lvl="2"/>
+            <a:r>
+              <a:rPr lang="en-US" dirty="0" err="1">
+                <a:sym typeface="Wingdings" panose="05000000000000000000" pitchFamily="2" charset="2"/>
+              </a:rPr>
+              <a:t>EntityManager</a:t>
+            </a:r>
+            <a:endParaRPr lang="en-US" dirty="0">
+              <a:sym typeface="Wingdings" panose="05000000000000000000" pitchFamily="2" charset="2"/>
+            </a:endParaRPr>
+          </a:p>
+          <a:p>
+            <a:pPr lvl="2"/>
+            <a:r>
+              <a:rPr lang="en-US" dirty="0" err="1">
+                <a:sym typeface="Wingdings" panose="05000000000000000000" pitchFamily="2" charset="2"/>
+              </a:rPr>
+              <a:t>EntityTransactions</a:t>
+            </a:r>
+            <a:endParaRPr lang="en-US" dirty="0">
+              <a:sym typeface="Wingdings" panose="05000000000000000000" pitchFamily="2" charset="2"/>
+            </a:endParaRPr>
+          </a:p>
+          <a:p>
+            <a:pPr lvl="2"/>
+            <a:r>
+              <a:rPr lang="en-US" dirty="0">
+                <a:sym typeface="Wingdings" panose="05000000000000000000" pitchFamily="2" charset="2"/>
+              </a:rPr>
+              <a:t>Query</a:t>
+            </a:r>
+          </a:p>
+          <a:p>
+            <a:pPr lvl="2"/>
+            <a:r>
+              <a:rPr lang="en-US" dirty="0">
+                <a:sym typeface="Wingdings" panose="05000000000000000000" pitchFamily="2" charset="2"/>
+              </a:rPr>
+              <a:t>Criteria</a:t>
+            </a:r>
+            <a:endParaRPr lang="en-US" dirty="0"/>
+          </a:p>
+          <a:p>
+            <a:pPr lvl="1"/>
+            <a:endParaRPr lang="en-US" dirty="0"/>
+          </a:p>
+        </p:txBody>
+      </p:sp>
+    </p:spTree>
+    <p:extLst>
+      <p:ext uri="{BB962C8B-B14F-4D97-AF65-F5344CB8AC3E}">
+        <p14:creationId xmlns:p14="http://schemas.microsoft.com/office/powerpoint/2010/main" val="331641449"/>
       </p:ext>
     </p:extLst>
   </p:cSld>
@@ -7363,6 +10759,827 @@
     <p:extLst>
       <p:ext uri="{BB962C8B-B14F-4D97-AF65-F5344CB8AC3E}">
         <p14:creationId xmlns:p14="http://schemas.microsoft.com/office/powerpoint/2010/main" val="1214448649"/>
+      </p:ext>
+    </p:extLst>
+  </p:cSld>
+  <p:clrMapOvr>
+    <a:masterClrMapping/>
+  </p:clrMapOvr>
+</p:sld>
+</file>
+
+<file path=ppt/slides/slide30.xml><?xml version="1.0" encoding="utf-8"?>
+<p:sld xmlns:a="http://schemas.openxmlformats.org/drawingml/2006/main" xmlns:r="http://schemas.openxmlformats.org/officeDocument/2006/relationships" xmlns:p="http://schemas.openxmlformats.org/presentationml/2006/main">
+  <p:cSld>
+    <p:spTree>
+      <p:nvGrpSpPr>
+        <p:cNvPr id="1" name=""/>
+        <p:cNvGrpSpPr/>
+        <p:nvPr/>
+      </p:nvGrpSpPr>
+      <p:grpSpPr>
+        <a:xfrm>
+          <a:off x="0" y="0"/>
+          <a:ext cx="0" cy="0"/>
+          <a:chOff x="0" y="0"/>
+          <a:chExt cx="0" cy="0"/>
+        </a:xfrm>
+      </p:grpSpPr>
+      <p:sp>
+        <p:nvSpPr>
+          <p:cNvPr id="2" name="Title 1">
+            <a:extLst>
+              <a:ext uri="{FF2B5EF4-FFF2-40B4-BE49-F238E27FC236}">
+                <a16:creationId xmlns:a16="http://schemas.microsoft.com/office/drawing/2014/main" id="{595AA7F0-E1AB-4790-80DA-3D58A86671DA}"/>
+              </a:ext>
+            </a:extLst>
+          </p:cNvPr>
+          <p:cNvSpPr>
+            <a:spLocks noGrp="1"/>
+          </p:cNvSpPr>
+          <p:nvPr>
+            <p:ph type="title"/>
+          </p:nvPr>
+        </p:nvSpPr>
+        <p:spPr/>
+        <p:txBody>
+          <a:bodyPr/>
+          <a:lstStyle/>
+          <a:p>
+            <a:r>
+              <a:rPr lang="en-US" dirty="0"/>
+              <a:t>Configuration</a:t>
+            </a:r>
+          </a:p>
+        </p:txBody>
+      </p:sp>
+      <p:sp>
+        <p:nvSpPr>
+          <p:cNvPr id="3" name="Content Placeholder 2">
+            <a:extLst>
+              <a:ext uri="{FF2B5EF4-FFF2-40B4-BE49-F238E27FC236}">
+                <a16:creationId xmlns:a16="http://schemas.microsoft.com/office/drawing/2014/main" id="{CEBFB7C1-0616-4067-B3CD-A63D5192375A}"/>
+              </a:ext>
+            </a:extLst>
+          </p:cNvPr>
+          <p:cNvSpPr>
+            <a:spLocks noGrp="1"/>
+          </p:cNvSpPr>
+          <p:nvPr>
+            <p:ph idx="1"/>
+          </p:nvPr>
+        </p:nvSpPr>
+        <p:spPr/>
+        <p:txBody>
+          <a:bodyPr>
+            <a:normAutofit lnSpcReduction="10000"/>
+          </a:bodyPr>
+          <a:lstStyle/>
+          <a:p>
+            <a:r>
+              <a:rPr lang="en-US" dirty="0"/>
+              <a:t>@Table</a:t>
+            </a:r>
+            <a:r>
+              <a:rPr lang="en-US" dirty="0">
+                <a:sym typeface="Wingdings" panose="05000000000000000000" pitchFamily="2" charset="2"/>
+              </a:rPr>
+              <a:t> </a:t>
+            </a:r>
+            <a:r>
+              <a:rPr lang="en-US" dirty="0" err="1">
+                <a:sym typeface="Wingdings" panose="05000000000000000000" pitchFamily="2" charset="2"/>
+              </a:rPr>
+              <a:t>Pojo</a:t>
+            </a:r>
+            <a:r>
+              <a:rPr lang="en-US" dirty="0">
+                <a:sym typeface="Wingdings" panose="05000000000000000000" pitchFamily="2" charset="2"/>
+              </a:rPr>
+              <a:t> Class name and table name is diff</a:t>
+            </a:r>
+          </a:p>
+          <a:p>
+            <a:r>
+              <a:rPr lang="en-US" dirty="0">
+                <a:sym typeface="Wingdings" panose="05000000000000000000" pitchFamily="2" charset="2"/>
+              </a:rPr>
+              <a:t>@Column  column name and fieldname is diff</a:t>
+            </a:r>
+          </a:p>
+          <a:p>
+            <a:pPr lvl="1"/>
+            <a:r>
+              <a:rPr lang="en-US" dirty="0">
+                <a:sym typeface="Wingdings" panose="05000000000000000000" pitchFamily="2" charset="2"/>
+              </a:rPr>
+              <a:t>Length</a:t>
+            </a:r>
+          </a:p>
+          <a:p>
+            <a:pPr lvl="1"/>
+            <a:r>
+              <a:rPr lang="en-US" dirty="0">
+                <a:sym typeface="Wingdings" panose="05000000000000000000" pitchFamily="2" charset="2"/>
+              </a:rPr>
+              <a:t>Nullable</a:t>
+            </a:r>
+          </a:p>
+          <a:p>
+            <a:pPr lvl="1"/>
+            <a:r>
+              <a:rPr lang="en-US" dirty="0">
+                <a:sym typeface="Wingdings" panose="05000000000000000000" pitchFamily="2" charset="2"/>
+              </a:rPr>
+              <a:t>Unique</a:t>
+            </a:r>
+          </a:p>
+          <a:p>
+            <a:r>
+              <a:rPr lang="en-US" dirty="0">
+                <a:sym typeface="Wingdings" panose="05000000000000000000" pitchFamily="2" charset="2"/>
+              </a:rPr>
+              <a:t>@Transient  it will not persist the column</a:t>
+            </a:r>
+          </a:p>
+          <a:p>
+            <a:r>
+              <a:rPr lang="en-US" dirty="0">
+                <a:sym typeface="Wingdings" panose="05000000000000000000" pitchFamily="2" charset="2"/>
+              </a:rPr>
+              <a:t>@Temporal  Java Date to SQL Date (</a:t>
+            </a:r>
+            <a:r>
+              <a:rPr lang="en-US" dirty="0" err="1">
+                <a:sym typeface="Wingdings" panose="05000000000000000000" pitchFamily="2" charset="2"/>
+              </a:rPr>
+              <a:t>jdk</a:t>
+            </a:r>
+            <a:r>
+              <a:rPr lang="en-US" dirty="0">
+                <a:sym typeface="Wingdings" panose="05000000000000000000" pitchFamily="2" charset="2"/>
+              </a:rPr>
+              <a:t> 1.7 or below), not applicable for Java8 dates</a:t>
+            </a:r>
+          </a:p>
+          <a:p>
+            <a:r>
+              <a:rPr lang="en-US" dirty="0">
+                <a:sym typeface="Wingdings" panose="05000000000000000000" pitchFamily="2" charset="2"/>
+              </a:rPr>
+              <a:t>@</a:t>
+            </a:r>
+            <a:r>
+              <a:rPr lang="en-US" dirty="0" err="1">
+                <a:sym typeface="Wingdings" panose="05000000000000000000" pitchFamily="2" charset="2"/>
+              </a:rPr>
+              <a:t>GeneratedValue</a:t>
+            </a:r>
+            <a:r>
+              <a:rPr lang="en-US" dirty="0">
+                <a:sym typeface="Wingdings" panose="05000000000000000000" pitchFamily="2" charset="2"/>
+              </a:rPr>
+              <a:t>  Auto generated numbers</a:t>
+            </a:r>
+          </a:p>
+          <a:p>
+            <a:r>
+              <a:rPr lang="en-US" dirty="0">
+                <a:sym typeface="Wingdings" panose="05000000000000000000" pitchFamily="2" charset="2"/>
+              </a:rPr>
+              <a:t>@Basic  Default annotation in ORM</a:t>
+            </a:r>
+          </a:p>
+          <a:p>
+            <a:endParaRPr lang="en-US" dirty="0">
+              <a:sym typeface="Wingdings" panose="05000000000000000000" pitchFamily="2" charset="2"/>
+            </a:endParaRPr>
+          </a:p>
+          <a:p>
+            <a:endParaRPr lang="en-US" dirty="0"/>
+          </a:p>
+        </p:txBody>
+      </p:sp>
+    </p:spTree>
+    <p:extLst>
+      <p:ext uri="{BB962C8B-B14F-4D97-AF65-F5344CB8AC3E}">
+        <p14:creationId xmlns:p14="http://schemas.microsoft.com/office/powerpoint/2010/main" val="260237160"/>
+      </p:ext>
+    </p:extLst>
+  </p:cSld>
+  <p:clrMapOvr>
+    <a:masterClrMapping/>
+  </p:clrMapOvr>
+</p:sld>
+</file>
+
+<file path=ppt/slides/slide31.xml><?xml version="1.0" encoding="utf-8"?>
+<p:sld xmlns:a="http://schemas.openxmlformats.org/drawingml/2006/main" xmlns:r="http://schemas.openxmlformats.org/officeDocument/2006/relationships" xmlns:p="http://schemas.openxmlformats.org/presentationml/2006/main">
+  <p:cSld>
+    <p:spTree>
+      <p:nvGrpSpPr>
+        <p:cNvPr id="1" name=""/>
+        <p:cNvGrpSpPr/>
+        <p:nvPr/>
+      </p:nvGrpSpPr>
+      <p:grpSpPr>
+        <a:xfrm>
+          <a:off x="0" y="0"/>
+          <a:ext cx="0" cy="0"/>
+          <a:chOff x="0" y="0"/>
+          <a:chExt cx="0" cy="0"/>
+        </a:xfrm>
+      </p:grpSpPr>
+      <p:sp>
+        <p:nvSpPr>
+          <p:cNvPr id="2" name="Title 1">
+            <a:extLst>
+              <a:ext uri="{FF2B5EF4-FFF2-40B4-BE49-F238E27FC236}">
+                <a16:creationId xmlns:a16="http://schemas.microsoft.com/office/drawing/2014/main" id="{54B3085A-9D02-4396-9B88-B153C33DEC59}"/>
+              </a:ext>
+            </a:extLst>
+          </p:cNvPr>
+          <p:cNvSpPr>
+            <a:spLocks noGrp="1"/>
+          </p:cNvSpPr>
+          <p:nvPr>
+            <p:ph type="title"/>
+          </p:nvPr>
+        </p:nvSpPr>
+        <p:spPr/>
+        <p:txBody>
+          <a:bodyPr/>
+          <a:lstStyle/>
+          <a:p>
+            <a:r>
+              <a:rPr lang="en-US" dirty="0"/>
+              <a:t>Task</a:t>
+            </a:r>
+          </a:p>
+        </p:txBody>
+      </p:sp>
+      <p:sp>
+        <p:nvSpPr>
+          <p:cNvPr id="3" name="Content Placeholder 2">
+            <a:extLst>
+              <a:ext uri="{FF2B5EF4-FFF2-40B4-BE49-F238E27FC236}">
+                <a16:creationId xmlns:a16="http://schemas.microsoft.com/office/drawing/2014/main" id="{979C1F67-99E7-49AB-8106-0CB08B25B29D}"/>
+              </a:ext>
+            </a:extLst>
+          </p:cNvPr>
+          <p:cNvSpPr>
+            <a:spLocks noGrp="1"/>
+          </p:cNvSpPr>
+          <p:nvPr>
+            <p:ph idx="1"/>
+          </p:nvPr>
+        </p:nvSpPr>
+        <p:spPr/>
+        <p:txBody>
+          <a:bodyPr/>
+          <a:lstStyle/>
+          <a:p>
+            <a:r>
+              <a:rPr lang="en-US" dirty="0"/>
+              <a:t>How to provide Composite Key in JPA</a:t>
+            </a:r>
+          </a:p>
+          <a:p>
+            <a:r>
+              <a:rPr lang="en-US" dirty="0"/>
+              <a:t>Can we place @ID more than one time?</a:t>
+            </a:r>
+          </a:p>
+          <a:p>
+            <a:r>
+              <a:rPr lang="en-US" dirty="0"/>
+              <a:t>More than one mobile number(List of mobile) </a:t>
+            </a:r>
+            <a:r>
+              <a:rPr lang="en-US" dirty="0">
+                <a:sym typeface="Wingdings" panose="05000000000000000000" pitchFamily="2" charset="2"/>
+              </a:rPr>
+              <a:t> without mapping</a:t>
+            </a:r>
+          </a:p>
+          <a:p>
+            <a:endParaRPr lang="en-US" dirty="0"/>
+          </a:p>
+          <a:p>
+            <a:endParaRPr lang="en-US" dirty="0"/>
+          </a:p>
+        </p:txBody>
+      </p:sp>
+    </p:spTree>
+    <p:extLst>
+      <p:ext uri="{BB962C8B-B14F-4D97-AF65-F5344CB8AC3E}">
+        <p14:creationId xmlns:p14="http://schemas.microsoft.com/office/powerpoint/2010/main" val="1658444600"/>
+      </p:ext>
+    </p:extLst>
+  </p:cSld>
+  <p:clrMapOvr>
+    <a:masterClrMapping/>
+  </p:clrMapOvr>
+</p:sld>
+</file>
+
+<file path=ppt/slides/slide32.xml><?xml version="1.0" encoding="utf-8"?>
+<p:sld xmlns:a="http://schemas.openxmlformats.org/drawingml/2006/main" xmlns:r="http://schemas.openxmlformats.org/officeDocument/2006/relationships" xmlns:p="http://schemas.openxmlformats.org/presentationml/2006/main">
+  <p:cSld>
+    <p:spTree>
+      <p:nvGrpSpPr>
+        <p:cNvPr id="1" name=""/>
+        <p:cNvGrpSpPr/>
+        <p:nvPr/>
+      </p:nvGrpSpPr>
+      <p:grpSpPr>
+        <a:xfrm>
+          <a:off x="0" y="0"/>
+          <a:ext cx="0" cy="0"/>
+          <a:chOff x="0" y="0"/>
+          <a:chExt cx="0" cy="0"/>
+        </a:xfrm>
+      </p:grpSpPr>
+      <p:sp>
+        <p:nvSpPr>
+          <p:cNvPr id="2" name="Title 1">
+            <a:extLst>
+              <a:ext uri="{FF2B5EF4-FFF2-40B4-BE49-F238E27FC236}">
+                <a16:creationId xmlns:a16="http://schemas.microsoft.com/office/drawing/2014/main" id="{C20FEBBC-F1AF-4F89-858C-56DCFCAA487E}"/>
+              </a:ext>
+            </a:extLst>
+          </p:cNvPr>
+          <p:cNvSpPr>
+            <a:spLocks noGrp="1"/>
+          </p:cNvSpPr>
+          <p:nvPr>
+            <p:ph type="title"/>
+          </p:nvPr>
+        </p:nvSpPr>
+        <p:spPr/>
+        <p:txBody>
+          <a:bodyPr/>
+          <a:lstStyle/>
+          <a:p>
+            <a:r>
+              <a:rPr lang="en-US" dirty="0"/>
+              <a:t>CRUD Operations in JPA</a:t>
+            </a:r>
+          </a:p>
+        </p:txBody>
+      </p:sp>
+      <p:sp>
+        <p:nvSpPr>
+          <p:cNvPr id="3" name="Content Placeholder 2">
+            <a:extLst>
+              <a:ext uri="{FF2B5EF4-FFF2-40B4-BE49-F238E27FC236}">
+                <a16:creationId xmlns:a16="http://schemas.microsoft.com/office/drawing/2014/main" id="{6EB90648-709B-4CD4-A833-B7B70C0D396F}"/>
+              </a:ext>
+            </a:extLst>
+          </p:cNvPr>
+          <p:cNvSpPr>
+            <a:spLocks noGrp="1"/>
+          </p:cNvSpPr>
+          <p:nvPr>
+            <p:ph idx="1"/>
+          </p:nvPr>
+        </p:nvSpPr>
+        <p:spPr/>
+        <p:txBody>
+          <a:bodyPr/>
+          <a:lstStyle/>
+          <a:p>
+            <a:r>
+              <a:rPr lang="en-US" dirty="0"/>
+              <a:t>Create </a:t>
+            </a:r>
+            <a:r>
+              <a:rPr lang="en-US" dirty="0">
+                <a:sym typeface="Wingdings" panose="05000000000000000000" pitchFamily="2" charset="2"/>
+              </a:rPr>
+              <a:t> persist (insert into ….)</a:t>
+            </a:r>
+            <a:endParaRPr lang="en-US" dirty="0"/>
+          </a:p>
+          <a:p>
+            <a:r>
+              <a:rPr lang="en-US" dirty="0"/>
+              <a:t>Read </a:t>
+            </a:r>
+            <a:r>
+              <a:rPr lang="en-US" dirty="0">
+                <a:sym typeface="Wingdings" panose="05000000000000000000" pitchFamily="2" charset="2"/>
+              </a:rPr>
+              <a:t> find (select * from table where primary=11)</a:t>
+            </a:r>
+            <a:endParaRPr lang="en-US" dirty="0"/>
+          </a:p>
+          <a:p>
+            <a:r>
+              <a:rPr lang="en-US" dirty="0"/>
+              <a:t>Update </a:t>
+            </a:r>
+            <a:r>
+              <a:rPr lang="en-US" dirty="0">
+                <a:sym typeface="Wingdings" panose="05000000000000000000" pitchFamily="2" charset="2"/>
+              </a:rPr>
+              <a:t> setter method of </a:t>
+            </a:r>
+            <a:r>
+              <a:rPr lang="en-US" dirty="0" err="1">
+                <a:sym typeface="Wingdings" panose="05000000000000000000" pitchFamily="2" charset="2"/>
+              </a:rPr>
+              <a:t>pojo</a:t>
+            </a:r>
+            <a:r>
+              <a:rPr lang="en-US" dirty="0">
+                <a:sym typeface="Wingdings" panose="05000000000000000000" pitchFamily="2" charset="2"/>
+              </a:rPr>
+              <a:t> class/merge (update </a:t>
+            </a:r>
+            <a:r>
+              <a:rPr lang="en-US" dirty="0" err="1">
+                <a:sym typeface="Wingdings" panose="05000000000000000000" pitchFamily="2" charset="2"/>
+              </a:rPr>
+              <a:t>tablename</a:t>
+            </a:r>
+            <a:r>
+              <a:rPr lang="en-US" dirty="0">
+                <a:sym typeface="Wingdings" panose="05000000000000000000" pitchFamily="2" charset="2"/>
+              </a:rPr>
+              <a:t> set …)</a:t>
+            </a:r>
+            <a:endParaRPr lang="en-US" dirty="0"/>
+          </a:p>
+          <a:p>
+            <a:r>
+              <a:rPr lang="en-US" dirty="0"/>
+              <a:t>Delete </a:t>
+            </a:r>
+            <a:r>
+              <a:rPr lang="en-US" dirty="0">
+                <a:sym typeface="Wingdings" panose="05000000000000000000" pitchFamily="2" charset="2"/>
+              </a:rPr>
+              <a:t>remove (delete from ….. Where primary=11)</a:t>
+            </a:r>
+          </a:p>
+          <a:p>
+            <a:endParaRPr lang="en-US" dirty="0">
+              <a:sym typeface="Wingdings" panose="05000000000000000000" pitchFamily="2" charset="2"/>
+            </a:endParaRPr>
+          </a:p>
+          <a:p>
+            <a:r>
+              <a:rPr lang="en-US" dirty="0">
+                <a:sym typeface="Wingdings" panose="05000000000000000000" pitchFamily="2" charset="2"/>
+              </a:rPr>
+              <a:t>Customized Query (JPQL)</a:t>
+            </a:r>
+          </a:p>
+          <a:p>
+            <a:pPr lvl="1"/>
+            <a:r>
+              <a:rPr lang="en-US" dirty="0" err="1">
+                <a:sym typeface="Wingdings" panose="05000000000000000000" pitchFamily="2" charset="2"/>
+              </a:rPr>
+              <a:t>createQuery</a:t>
+            </a:r>
+            <a:r>
+              <a:rPr lang="en-US" dirty="0">
+                <a:sym typeface="Wingdings" panose="05000000000000000000" pitchFamily="2" charset="2"/>
+              </a:rPr>
+              <a:t>  select ……</a:t>
+            </a:r>
+            <a:endParaRPr lang="en-US" dirty="0"/>
+          </a:p>
+          <a:p>
+            <a:endParaRPr lang="en-US" dirty="0"/>
+          </a:p>
+        </p:txBody>
+      </p:sp>
+    </p:spTree>
+    <p:extLst>
+      <p:ext uri="{BB962C8B-B14F-4D97-AF65-F5344CB8AC3E}">
+        <p14:creationId xmlns:p14="http://schemas.microsoft.com/office/powerpoint/2010/main" val="2325853463"/>
+      </p:ext>
+    </p:extLst>
+  </p:cSld>
+  <p:clrMapOvr>
+    <a:masterClrMapping/>
+  </p:clrMapOvr>
+</p:sld>
+</file>
+
+<file path=ppt/slides/slide33.xml><?xml version="1.0" encoding="utf-8"?>
+<p:sld xmlns:a="http://schemas.openxmlformats.org/drawingml/2006/main" xmlns:r="http://schemas.openxmlformats.org/officeDocument/2006/relationships" xmlns:p="http://schemas.openxmlformats.org/presentationml/2006/main">
+  <p:cSld>
+    <p:spTree>
+      <p:nvGrpSpPr>
+        <p:cNvPr id="1" name=""/>
+        <p:cNvGrpSpPr/>
+        <p:nvPr/>
+      </p:nvGrpSpPr>
+      <p:grpSpPr>
+        <a:xfrm>
+          <a:off x="0" y="0"/>
+          <a:ext cx="0" cy="0"/>
+          <a:chOff x="0" y="0"/>
+          <a:chExt cx="0" cy="0"/>
+        </a:xfrm>
+      </p:grpSpPr>
+      <p:sp>
+        <p:nvSpPr>
+          <p:cNvPr id="2" name="Title 1">
+            <a:extLst>
+              <a:ext uri="{FF2B5EF4-FFF2-40B4-BE49-F238E27FC236}">
+                <a16:creationId xmlns:a16="http://schemas.microsoft.com/office/drawing/2014/main" id="{276F1056-C4C2-40CD-8652-566BC4DE5B7E}"/>
+              </a:ext>
+            </a:extLst>
+          </p:cNvPr>
+          <p:cNvSpPr>
+            <a:spLocks noGrp="1"/>
+          </p:cNvSpPr>
+          <p:nvPr>
+            <p:ph type="title"/>
+          </p:nvPr>
+        </p:nvSpPr>
+        <p:spPr/>
+        <p:txBody>
+          <a:bodyPr/>
+          <a:lstStyle/>
+          <a:p>
+            <a:r>
+              <a:rPr lang="en-US" dirty="0"/>
+              <a:t>Relationships in Java</a:t>
+            </a:r>
+          </a:p>
+        </p:txBody>
+      </p:sp>
+      <p:sp>
+        <p:nvSpPr>
+          <p:cNvPr id="3" name="Content Placeholder 2">
+            <a:extLst>
+              <a:ext uri="{FF2B5EF4-FFF2-40B4-BE49-F238E27FC236}">
+                <a16:creationId xmlns:a16="http://schemas.microsoft.com/office/drawing/2014/main" id="{57DD204C-7444-4D3C-B97C-E85688C565CE}"/>
+              </a:ext>
+            </a:extLst>
+          </p:cNvPr>
+          <p:cNvSpPr>
+            <a:spLocks noGrp="1"/>
+          </p:cNvSpPr>
+          <p:nvPr>
+            <p:ph idx="1"/>
+          </p:nvPr>
+        </p:nvSpPr>
+        <p:spPr/>
+        <p:txBody>
+          <a:bodyPr/>
+          <a:lstStyle/>
+          <a:p>
+            <a:r>
+              <a:rPr lang="en-US" dirty="0"/>
+              <a:t>is-a </a:t>
+            </a:r>
+            <a:r>
+              <a:rPr lang="en-US" dirty="0">
+                <a:sym typeface="Wingdings" panose="05000000000000000000" pitchFamily="2" charset="2"/>
+              </a:rPr>
+              <a:t> inheritance</a:t>
+            </a:r>
+            <a:endParaRPr lang="en-US" dirty="0"/>
+          </a:p>
+          <a:p>
+            <a:r>
+              <a:rPr lang="en-US" dirty="0">
+                <a:highlight>
+                  <a:srgbClr val="FFFF00"/>
+                </a:highlight>
+              </a:rPr>
+              <a:t>has-a </a:t>
+            </a:r>
+            <a:r>
+              <a:rPr lang="en-US" dirty="0">
+                <a:highlight>
+                  <a:srgbClr val="FFFF00"/>
+                </a:highlight>
+                <a:sym typeface="Wingdings" panose="05000000000000000000" pitchFamily="2" charset="2"/>
+              </a:rPr>
+              <a:t> Refers </a:t>
+            </a:r>
+            <a:endParaRPr lang="en-US" dirty="0">
+              <a:highlight>
+                <a:srgbClr val="FFFF00"/>
+              </a:highlight>
+            </a:endParaRPr>
+          </a:p>
+          <a:p>
+            <a:endParaRPr lang="en-US" dirty="0"/>
+          </a:p>
+        </p:txBody>
+      </p:sp>
+    </p:spTree>
+    <p:extLst>
+      <p:ext uri="{BB962C8B-B14F-4D97-AF65-F5344CB8AC3E}">
+        <p14:creationId xmlns:p14="http://schemas.microsoft.com/office/powerpoint/2010/main" val="4268392176"/>
+      </p:ext>
+    </p:extLst>
+  </p:cSld>
+  <p:clrMapOvr>
+    <a:masterClrMapping/>
+  </p:clrMapOvr>
+</p:sld>
+</file>
+
+<file path=ppt/slides/slide34.xml><?xml version="1.0" encoding="utf-8"?>
+<p:sld xmlns:a="http://schemas.openxmlformats.org/drawingml/2006/main" xmlns:r="http://schemas.openxmlformats.org/officeDocument/2006/relationships" xmlns:p="http://schemas.openxmlformats.org/presentationml/2006/main">
+  <p:cSld>
+    <p:spTree>
+      <p:nvGrpSpPr>
+        <p:cNvPr id="1" name=""/>
+        <p:cNvGrpSpPr/>
+        <p:nvPr/>
+      </p:nvGrpSpPr>
+      <p:grpSpPr>
+        <a:xfrm>
+          <a:off x="0" y="0"/>
+          <a:ext cx="0" cy="0"/>
+          <a:chOff x="0" y="0"/>
+          <a:chExt cx="0" cy="0"/>
+        </a:xfrm>
+      </p:grpSpPr>
+      <p:sp>
+        <p:nvSpPr>
+          <p:cNvPr id="2" name="Title 1">
+            <a:extLst>
+              <a:ext uri="{FF2B5EF4-FFF2-40B4-BE49-F238E27FC236}">
+                <a16:creationId xmlns:a16="http://schemas.microsoft.com/office/drawing/2014/main" id="{52DEB035-5AA8-4F78-9997-250D16B50734}"/>
+              </a:ext>
+            </a:extLst>
+          </p:cNvPr>
+          <p:cNvSpPr>
+            <a:spLocks noGrp="1"/>
+          </p:cNvSpPr>
+          <p:nvPr>
+            <p:ph type="title"/>
+          </p:nvPr>
+        </p:nvSpPr>
+        <p:spPr/>
+        <p:txBody>
+          <a:bodyPr/>
+          <a:lstStyle/>
+          <a:p>
+            <a:r>
+              <a:rPr lang="en-US" dirty="0"/>
+              <a:t>Task</a:t>
+            </a:r>
+          </a:p>
+        </p:txBody>
+      </p:sp>
+      <p:sp>
+        <p:nvSpPr>
+          <p:cNvPr id="3" name="Content Placeholder 2">
+            <a:extLst>
+              <a:ext uri="{FF2B5EF4-FFF2-40B4-BE49-F238E27FC236}">
+                <a16:creationId xmlns:a16="http://schemas.microsoft.com/office/drawing/2014/main" id="{3308F50A-3F96-4688-A55C-8C13C6765334}"/>
+              </a:ext>
+            </a:extLst>
+          </p:cNvPr>
+          <p:cNvSpPr>
+            <a:spLocks noGrp="1"/>
+          </p:cNvSpPr>
+          <p:nvPr>
+            <p:ph idx="1"/>
+          </p:nvPr>
+        </p:nvSpPr>
+        <p:spPr/>
+        <p:txBody>
+          <a:bodyPr/>
+          <a:lstStyle/>
+          <a:p>
+            <a:r>
+              <a:rPr lang="en-US" dirty="0"/>
+              <a:t>Try the inheritance with different entity classes.</a:t>
+            </a:r>
+          </a:p>
+          <a:p>
+            <a:r>
+              <a:rPr lang="en-US" dirty="0"/>
+              <a:t>JPQL Query</a:t>
+            </a:r>
+          </a:p>
+          <a:p>
+            <a:pPr lvl="1"/>
+            <a:r>
+              <a:rPr lang="en-US" dirty="0"/>
+              <a:t>Order By </a:t>
+            </a:r>
+            <a:r>
+              <a:rPr lang="en-US" dirty="0">
+                <a:sym typeface="Wingdings" panose="05000000000000000000" pitchFamily="2" charset="2"/>
+              </a:rPr>
+              <a:t> </a:t>
+            </a:r>
+            <a:r>
+              <a:rPr lang="en-US" dirty="0" err="1">
+                <a:sym typeface="Wingdings" panose="05000000000000000000" pitchFamily="2" charset="2"/>
+              </a:rPr>
+              <a:t>Asc</a:t>
+            </a:r>
+            <a:r>
+              <a:rPr lang="en-US" dirty="0">
+                <a:sym typeface="Wingdings" panose="05000000000000000000" pitchFamily="2" charset="2"/>
+              </a:rPr>
+              <a:t>, Desc</a:t>
+            </a:r>
+          </a:p>
+          <a:p>
+            <a:pPr lvl="1"/>
+            <a:r>
+              <a:rPr lang="en-US" dirty="0">
+                <a:sym typeface="Wingdings" panose="05000000000000000000" pitchFamily="2" charset="2"/>
+              </a:rPr>
+              <a:t>Group By  Aggregate Function</a:t>
+            </a:r>
+          </a:p>
+          <a:p>
+            <a:r>
+              <a:rPr lang="en-US" dirty="0"/>
+              <a:t>Criteria</a:t>
+            </a:r>
+          </a:p>
+          <a:p>
+            <a:pPr lvl="1"/>
+            <a:r>
+              <a:rPr lang="en-US" dirty="0"/>
+              <a:t>Order By </a:t>
+            </a:r>
+            <a:r>
+              <a:rPr lang="en-US" dirty="0">
+                <a:sym typeface="Wingdings" panose="05000000000000000000" pitchFamily="2" charset="2"/>
+              </a:rPr>
+              <a:t> </a:t>
+            </a:r>
+            <a:r>
+              <a:rPr lang="en-US" dirty="0" err="1">
+                <a:sym typeface="Wingdings" panose="05000000000000000000" pitchFamily="2" charset="2"/>
+              </a:rPr>
+              <a:t>Asc</a:t>
+            </a:r>
+            <a:r>
+              <a:rPr lang="en-US" dirty="0">
+                <a:sym typeface="Wingdings" panose="05000000000000000000" pitchFamily="2" charset="2"/>
+              </a:rPr>
+              <a:t>, Desc</a:t>
+            </a:r>
+          </a:p>
+          <a:p>
+            <a:pPr lvl="1"/>
+            <a:r>
+              <a:rPr lang="en-US" dirty="0">
+                <a:sym typeface="Wingdings" panose="05000000000000000000" pitchFamily="2" charset="2"/>
+              </a:rPr>
+              <a:t>Group By  Aggregate Function</a:t>
+            </a:r>
+          </a:p>
+          <a:p>
+            <a:pPr lvl="1"/>
+            <a:r>
+              <a:rPr lang="en-US" dirty="0">
+                <a:sym typeface="Wingdings" panose="05000000000000000000" pitchFamily="2" charset="2"/>
+              </a:rPr>
+              <a:t>Restrictions  Conditions</a:t>
+            </a:r>
+          </a:p>
+          <a:p>
+            <a:pPr lvl="2"/>
+            <a:r>
+              <a:rPr lang="en-US" dirty="0"/>
+              <a:t>AND, OR, NOT</a:t>
+            </a:r>
+          </a:p>
+          <a:p>
+            <a:pPr lvl="1"/>
+            <a:r>
+              <a:rPr lang="en-US" dirty="0"/>
+              <a:t>Set operations </a:t>
+            </a:r>
+            <a:r>
+              <a:rPr lang="en-US" dirty="0">
+                <a:sym typeface="Wingdings" panose="05000000000000000000" pitchFamily="2" charset="2"/>
+              </a:rPr>
+              <a:t> union, intersect, minus</a:t>
+            </a:r>
+            <a:endParaRPr lang="en-US" dirty="0"/>
+          </a:p>
+          <a:p>
+            <a:endParaRPr lang="en-US" dirty="0"/>
+          </a:p>
+        </p:txBody>
+      </p:sp>
+    </p:spTree>
+    <p:extLst>
+      <p:ext uri="{BB962C8B-B14F-4D97-AF65-F5344CB8AC3E}">
+        <p14:creationId xmlns:p14="http://schemas.microsoft.com/office/powerpoint/2010/main" val="2806086465"/>
       </p:ext>
     </p:extLst>
   </p:cSld>

--- a/notes.pptx
+++ b/notes.pptx
@@ -37,8 +37,10 @@
     <p:sldId id="285" r:id="rId31"/>
     <p:sldId id="286" r:id="rId32"/>
     <p:sldId id="287" r:id="rId33"/>
-    <p:sldId id="288" r:id="rId34"/>
-    <p:sldId id="289" r:id="rId35"/>
+    <p:sldId id="289" r:id="rId34"/>
+    <p:sldId id="288" r:id="rId35"/>
+    <p:sldId id="291" r:id="rId36"/>
+    <p:sldId id="290" r:id="rId37"/>
   </p:sldIdLst>
   <p:sldSz cx="12192000" cy="6858000"/>
   <p:notesSz cx="6858000" cy="9144000"/>
@@ -292,7 +294,7 @@
           <a:p>
             <a:fld id="{E83A7598-A4C4-4FEB-965E-2652C4C17652}" type="datetimeFigureOut">
               <a:rPr lang="en-US" smtClean="0"/>
-              <a:t>4/1/2020</a:t>
+              <a:t>4/3/2020</a:t>
             </a:fld>
             <a:endParaRPr lang="en-US"/>
           </a:p>
@@ -490,7 +492,7 @@
           <a:p>
             <a:fld id="{E83A7598-A4C4-4FEB-965E-2652C4C17652}" type="datetimeFigureOut">
               <a:rPr lang="en-US" smtClean="0"/>
-              <a:t>4/1/2020</a:t>
+              <a:t>4/3/2020</a:t>
             </a:fld>
             <a:endParaRPr lang="en-US"/>
           </a:p>
@@ -698,7 +700,7 @@
           <a:p>
             <a:fld id="{E83A7598-A4C4-4FEB-965E-2652C4C17652}" type="datetimeFigureOut">
               <a:rPr lang="en-US" smtClean="0"/>
-              <a:t>4/1/2020</a:t>
+              <a:t>4/3/2020</a:t>
             </a:fld>
             <a:endParaRPr lang="en-US"/>
           </a:p>
@@ -896,7 +898,7 @@
           <a:p>
             <a:fld id="{E83A7598-A4C4-4FEB-965E-2652C4C17652}" type="datetimeFigureOut">
               <a:rPr lang="en-US" smtClean="0"/>
-              <a:t>4/1/2020</a:t>
+              <a:t>4/3/2020</a:t>
             </a:fld>
             <a:endParaRPr lang="en-US"/>
           </a:p>
@@ -1171,7 +1173,7 @@
           <a:p>
             <a:fld id="{E83A7598-A4C4-4FEB-965E-2652C4C17652}" type="datetimeFigureOut">
               <a:rPr lang="en-US" smtClean="0"/>
-              <a:t>4/1/2020</a:t>
+              <a:t>4/3/2020</a:t>
             </a:fld>
             <a:endParaRPr lang="en-US"/>
           </a:p>
@@ -1436,7 +1438,7 @@
           <a:p>
             <a:fld id="{E83A7598-A4C4-4FEB-965E-2652C4C17652}" type="datetimeFigureOut">
               <a:rPr lang="en-US" smtClean="0"/>
-              <a:t>4/1/2020</a:t>
+              <a:t>4/3/2020</a:t>
             </a:fld>
             <a:endParaRPr lang="en-US"/>
           </a:p>
@@ -1848,7 +1850,7 @@
           <a:p>
             <a:fld id="{E83A7598-A4C4-4FEB-965E-2652C4C17652}" type="datetimeFigureOut">
               <a:rPr lang="en-US" smtClean="0"/>
-              <a:t>4/1/2020</a:t>
+              <a:t>4/3/2020</a:t>
             </a:fld>
             <a:endParaRPr lang="en-US"/>
           </a:p>
@@ -1989,7 +1991,7 @@
           <a:p>
             <a:fld id="{E83A7598-A4C4-4FEB-965E-2652C4C17652}" type="datetimeFigureOut">
               <a:rPr lang="en-US" smtClean="0"/>
-              <a:t>4/1/2020</a:t>
+              <a:t>4/3/2020</a:t>
             </a:fld>
             <a:endParaRPr lang="en-US"/>
           </a:p>
@@ -2102,7 +2104,7 @@
           <a:p>
             <a:fld id="{E83A7598-A4C4-4FEB-965E-2652C4C17652}" type="datetimeFigureOut">
               <a:rPr lang="en-US" smtClean="0"/>
-              <a:t>4/1/2020</a:t>
+              <a:t>4/3/2020</a:t>
             </a:fld>
             <a:endParaRPr lang="en-US"/>
           </a:p>
@@ -2413,7 +2415,7 @@
           <a:p>
             <a:fld id="{E83A7598-A4C4-4FEB-965E-2652C4C17652}" type="datetimeFigureOut">
               <a:rPr lang="en-US" smtClean="0"/>
-              <a:t>4/1/2020</a:t>
+              <a:t>4/3/2020</a:t>
             </a:fld>
             <a:endParaRPr lang="en-US"/>
           </a:p>
@@ -2701,7 +2703,7 @@
           <a:p>
             <a:fld id="{E83A7598-A4C4-4FEB-965E-2652C4C17652}" type="datetimeFigureOut">
               <a:rPr lang="en-US" smtClean="0"/>
-              <a:t>4/1/2020</a:t>
+              <a:t>4/3/2020</a:t>
             </a:fld>
             <a:endParaRPr lang="en-US"/>
           </a:p>
@@ -2942,7 +2944,7 @@
           <a:p>
             <a:fld id="{E83A7598-A4C4-4FEB-965E-2652C4C17652}" type="datetimeFigureOut">
               <a:rPr lang="en-US" smtClean="0"/>
-              <a:t>4/1/2020</a:t>
+              <a:t>4/3/2020</a:t>
             </a:fld>
             <a:endParaRPr lang="en-US"/>
           </a:p>
@@ -11292,7 +11294,7 @@
           <p:cNvPr id="2" name="Title 1">
             <a:extLst>
               <a:ext uri="{FF2B5EF4-FFF2-40B4-BE49-F238E27FC236}">
-                <a16:creationId xmlns:a16="http://schemas.microsoft.com/office/drawing/2014/main" id="{276F1056-C4C2-40CD-8652-566BC4DE5B7E}"/>
+                <a16:creationId xmlns:a16="http://schemas.microsoft.com/office/drawing/2014/main" id="{52DEB035-5AA8-4F78-9997-250D16B50734}"/>
               </a:ext>
             </a:extLst>
           </p:cNvPr>
@@ -11310,7 +11312,7 @@
           <a:p>
             <a:r>
               <a:rPr lang="en-US" dirty="0"/>
-              <a:t>Relationships in Java</a:t>
+              <a:t>Task</a:t>
             </a:r>
           </a:p>
         </p:txBody>
@@ -11320,7 +11322,7 @@
           <p:cNvPr id="3" name="Content Placeholder 2">
             <a:extLst>
               <a:ext uri="{FF2B5EF4-FFF2-40B4-BE49-F238E27FC236}">
-                <a16:creationId xmlns:a16="http://schemas.microsoft.com/office/drawing/2014/main" id="{57DD204C-7444-4D3C-B97C-E85688C565CE}"/>
+                <a16:creationId xmlns:a16="http://schemas.microsoft.com/office/drawing/2014/main" id="{3308F50A-3F96-4688-A55C-8C13C6765334}"/>
               </a:ext>
             </a:extLst>
           </p:cNvPr>
@@ -11338,39 +11340,118 @@
           <a:p>
             <a:r>
               <a:rPr lang="en-US" dirty="0"/>
-              <a:t>is-a </a:t>
+              <a:t>Try the inheritance with different entity classes.</a:t>
+            </a:r>
+          </a:p>
+          <a:p>
+            <a:r>
+              <a:rPr lang="en-US" dirty="0"/>
+              <a:t>JPQL Query</a:t>
+            </a:r>
+          </a:p>
+          <a:p>
+            <a:pPr lvl="1"/>
+            <a:r>
+              <a:rPr lang="en-US" dirty="0"/>
+              <a:t>Order By </a:t>
             </a:r>
             <a:r>
               <a:rPr lang="en-US" dirty="0">
                 <a:sym typeface="Wingdings" panose="05000000000000000000" pitchFamily="2" charset="2"/>
               </a:rPr>
-              <a:t> inheritance</a:t>
+              <a:t> </a:t>
+            </a:r>
+            <a:r>
+              <a:rPr lang="en-US" dirty="0" err="1">
+                <a:sym typeface="Wingdings" panose="05000000000000000000" pitchFamily="2" charset="2"/>
+              </a:rPr>
+              <a:t>Asc</a:t>
+            </a:r>
+            <a:r>
+              <a:rPr lang="en-US" dirty="0">
+                <a:sym typeface="Wingdings" panose="05000000000000000000" pitchFamily="2" charset="2"/>
+              </a:rPr>
+              <a:t>, Desc</a:t>
+            </a:r>
+          </a:p>
+          <a:p>
+            <a:pPr lvl="1"/>
+            <a:r>
+              <a:rPr lang="en-US" dirty="0">
+                <a:sym typeface="Wingdings" panose="05000000000000000000" pitchFamily="2" charset="2"/>
+              </a:rPr>
+              <a:t>Group By  Aggregate Function</a:t>
+            </a:r>
+          </a:p>
+          <a:p>
+            <a:r>
+              <a:rPr lang="en-US" dirty="0"/>
+              <a:t>Criteria</a:t>
+            </a:r>
+          </a:p>
+          <a:p>
+            <a:pPr lvl="1"/>
+            <a:r>
+              <a:rPr lang="en-US" dirty="0"/>
+              <a:t>Order By </a:t>
+            </a:r>
+            <a:r>
+              <a:rPr lang="en-US" dirty="0">
+                <a:sym typeface="Wingdings" panose="05000000000000000000" pitchFamily="2" charset="2"/>
+              </a:rPr>
+              <a:t> </a:t>
+            </a:r>
+            <a:r>
+              <a:rPr lang="en-US" dirty="0" err="1">
+                <a:sym typeface="Wingdings" panose="05000000000000000000" pitchFamily="2" charset="2"/>
+              </a:rPr>
+              <a:t>Asc</a:t>
+            </a:r>
+            <a:r>
+              <a:rPr lang="en-US" dirty="0">
+                <a:sym typeface="Wingdings" panose="05000000000000000000" pitchFamily="2" charset="2"/>
+              </a:rPr>
+              <a:t>, Desc</a:t>
+            </a:r>
+          </a:p>
+          <a:p>
+            <a:pPr lvl="1"/>
+            <a:r>
+              <a:rPr lang="en-US" dirty="0">
+                <a:sym typeface="Wingdings" panose="05000000000000000000" pitchFamily="2" charset="2"/>
+              </a:rPr>
+              <a:t>Group By  Aggregate Function</a:t>
+            </a:r>
+          </a:p>
+          <a:p>
+            <a:pPr lvl="1"/>
+            <a:r>
+              <a:rPr lang="en-US" dirty="0">
+                <a:sym typeface="Wingdings" panose="05000000000000000000" pitchFamily="2" charset="2"/>
+              </a:rPr>
+              <a:t>Restrictions  Conditions</a:t>
+            </a:r>
+          </a:p>
+          <a:p>
+            <a:pPr lvl="2"/>
+            <a:r>
+              <a:rPr lang="en-US" dirty="0"/>
+              <a:t>AND, OR, NOT</a:t>
+            </a:r>
+          </a:p>
+          <a:p>
+            <a:pPr lvl="1"/>
+            <a:r>
+              <a:rPr lang="en-US" dirty="0"/>
+              <a:t>Set operations </a:t>
+            </a:r>
+            <a:r>
+              <a:rPr lang="en-US" dirty="0">
+                <a:sym typeface="Wingdings" panose="05000000000000000000" pitchFamily="2" charset="2"/>
+              </a:rPr>
+              <a:t> union, intersect, minus</a:t>
             </a:r>
             <a:endParaRPr lang="en-US" dirty="0"/>
-          </a:p>
-          <a:p>
-            <a:r>
-              <a:rPr lang="en-US" dirty="0">
-                <a:highlight>
-                  <a:srgbClr val="FFFF00"/>
-                </a:highlight>
-              </a:rPr>
-              <a:t>has-a </a:t>
-            </a:r>
-            <a:r>
-              <a:rPr lang="en-US" dirty="0">
-                <a:highlight>
-                  <a:srgbClr val="FFFF00"/>
-                </a:highlight>
-                <a:sym typeface="Wingdings" panose="05000000000000000000" pitchFamily="2" charset="2"/>
-              </a:rPr>
-              <a:t> Refers </a:t>
-            </a:r>
-            <a:endParaRPr lang="en-US" dirty="0">
-              <a:highlight>
-                <a:srgbClr val="FFFF00"/>
-              </a:highlight>
-            </a:endParaRPr>
           </a:p>
           <a:p>
             <a:endParaRPr lang="en-US" dirty="0"/>
@@ -11380,7 +11461,7 @@
     </p:spTree>
     <p:extLst>
       <p:ext uri="{BB962C8B-B14F-4D97-AF65-F5344CB8AC3E}">
-        <p14:creationId xmlns:p14="http://schemas.microsoft.com/office/powerpoint/2010/main" val="4268392176"/>
+        <p14:creationId xmlns:p14="http://schemas.microsoft.com/office/powerpoint/2010/main" val="2806086465"/>
       </p:ext>
     </p:extLst>
   </p:cSld>
@@ -11412,7 +11493,7 @@
           <p:cNvPr id="2" name="Title 1">
             <a:extLst>
               <a:ext uri="{FF2B5EF4-FFF2-40B4-BE49-F238E27FC236}">
-                <a16:creationId xmlns:a16="http://schemas.microsoft.com/office/drawing/2014/main" id="{52DEB035-5AA8-4F78-9997-250D16B50734}"/>
+                <a16:creationId xmlns:a16="http://schemas.microsoft.com/office/drawing/2014/main" id="{276F1056-C4C2-40CD-8652-566BC4DE5B7E}"/>
               </a:ext>
             </a:extLst>
           </p:cNvPr>
@@ -11430,7 +11511,7 @@
           <a:p>
             <a:r>
               <a:rPr lang="en-US" dirty="0"/>
-              <a:t>Task</a:t>
+              <a:t>Relationships in Java</a:t>
             </a:r>
           </a:p>
         </p:txBody>
@@ -11440,7 +11521,7 @@
           <p:cNvPr id="3" name="Content Placeholder 2">
             <a:extLst>
               <a:ext uri="{FF2B5EF4-FFF2-40B4-BE49-F238E27FC236}">
-                <a16:creationId xmlns:a16="http://schemas.microsoft.com/office/drawing/2014/main" id="{3308F50A-3F96-4688-A55C-8C13C6765334}"/>
+                <a16:creationId xmlns:a16="http://schemas.microsoft.com/office/drawing/2014/main" id="{57DD204C-7444-4D3C-B97C-E85688C565CE}"/>
               </a:ext>
             </a:extLst>
           </p:cNvPr>
@@ -11458,118 +11539,174 @@
           <a:p>
             <a:r>
               <a:rPr lang="en-US" dirty="0"/>
-              <a:t>Try the inheritance with different entity classes.</a:t>
-            </a:r>
-          </a:p>
-          <a:p>
-            <a:r>
-              <a:rPr lang="en-US" dirty="0"/>
-              <a:t>JPQL Query</a:t>
-            </a:r>
-          </a:p>
-          <a:p>
-            <a:pPr lvl="1"/>
-            <a:r>
-              <a:rPr lang="en-US" dirty="0"/>
-              <a:t>Order By </a:t>
+              <a:t>is-a </a:t>
             </a:r>
             <a:r>
               <a:rPr lang="en-US" dirty="0">
                 <a:sym typeface="Wingdings" panose="05000000000000000000" pitchFamily="2" charset="2"/>
               </a:rPr>
-              <a:t> </a:t>
+              <a:t> inheritance</a:t>
+            </a:r>
+            <a:endParaRPr lang="en-US" dirty="0"/>
+          </a:p>
+          <a:p>
+            <a:r>
+              <a:rPr lang="en-US" dirty="0">
+                <a:highlight>
+                  <a:srgbClr val="FFFF00"/>
+                </a:highlight>
+              </a:rPr>
+              <a:t>has-a </a:t>
+            </a:r>
+            <a:r>
+              <a:rPr lang="en-US" dirty="0">
+                <a:highlight>
+                  <a:srgbClr val="FFFF00"/>
+                </a:highlight>
+                <a:sym typeface="Wingdings" panose="05000000000000000000" pitchFamily="2" charset="2"/>
+              </a:rPr>
+              <a:t> Refers </a:t>
+            </a:r>
+          </a:p>
+          <a:p>
+            <a:pPr lvl="1"/>
+            <a:r>
+              <a:rPr lang="en-US" dirty="0">
+                <a:highlight>
+                  <a:srgbClr val="FFFF00"/>
+                </a:highlight>
+                <a:sym typeface="Wingdings" panose="05000000000000000000" pitchFamily="2" charset="2"/>
+              </a:rPr>
+              <a:t>@</a:t>
+            </a:r>
+            <a:r>
+              <a:rPr lang="en-US" dirty="0" err="1">
+                <a:highlight>
+                  <a:srgbClr val="FFFF00"/>
+                </a:highlight>
+                <a:sym typeface="Wingdings" panose="05000000000000000000" pitchFamily="2" charset="2"/>
+              </a:rPr>
+              <a:t>OnetoOne</a:t>
+            </a:r>
+            <a:endParaRPr lang="en-US" dirty="0">
+              <a:highlight>
+                <a:srgbClr val="FFFF00"/>
+              </a:highlight>
+              <a:sym typeface="Wingdings" panose="05000000000000000000" pitchFamily="2" charset="2"/>
+            </a:endParaRPr>
+          </a:p>
+          <a:p>
+            <a:pPr lvl="2"/>
+            <a:r>
+              <a:rPr lang="en-US" dirty="0">
+                <a:highlight>
+                  <a:srgbClr val="FFFF00"/>
+                </a:highlight>
+                <a:sym typeface="Wingdings" panose="05000000000000000000" pitchFamily="2" charset="2"/>
+              </a:rPr>
+              <a:t>Uni-directional </a:t>
+            </a:r>
+          </a:p>
+          <a:p>
+            <a:pPr lvl="2"/>
+            <a:r>
+              <a:rPr lang="en-US" dirty="0">
+                <a:highlight>
+                  <a:srgbClr val="FFFF00"/>
+                </a:highlight>
+                <a:sym typeface="Wingdings" panose="05000000000000000000" pitchFamily="2" charset="2"/>
+              </a:rPr>
+              <a:t>Bi - directional</a:t>
+            </a:r>
+          </a:p>
+          <a:p>
+            <a:pPr lvl="1"/>
+            <a:r>
+              <a:rPr lang="en-US" dirty="0">
+                <a:highlight>
+                  <a:srgbClr val="00FF00"/>
+                </a:highlight>
+                <a:sym typeface="Wingdings" panose="05000000000000000000" pitchFamily="2" charset="2"/>
+              </a:rPr>
+              <a:t>@</a:t>
+            </a:r>
+            <a:r>
+              <a:rPr lang="en-US" dirty="0" err="1">
+                <a:highlight>
+                  <a:srgbClr val="00FF00"/>
+                </a:highlight>
+                <a:sym typeface="Wingdings" panose="05000000000000000000" pitchFamily="2" charset="2"/>
+              </a:rPr>
+              <a:t>OneToMany</a:t>
+            </a:r>
+            <a:endParaRPr lang="en-US" dirty="0">
+              <a:highlight>
+                <a:srgbClr val="00FF00"/>
+              </a:highlight>
+              <a:sym typeface="Wingdings" panose="05000000000000000000" pitchFamily="2" charset="2"/>
+            </a:endParaRPr>
+          </a:p>
+          <a:p>
+            <a:pPr lvl="1"/>
+            <a:r>
+              <a:rPr lang="en-US" dirty="0">
+                <a:highlight>
+                  <a:srgbClr val="00FF00"/>
+                </a:highlight>
+                <a:sym typeface="Wingdings" panose="05000000000000000000" pitchFamily="2" charset="2"/>
+              </a:rPr>
+              <a:t>@</a:t>
+            </a:r>
+            <a:r>
+              <a:rPr lang="en-US" dirty="0" err="1">
+                <a:highlight>
+                  <a:srgbClr val="00FF00"/>
+                </a:highlight>
+                <a:sym typeface="Wingdings" panose="05000000000000000000" pitchFamily="2" charset="2"/>
+              </a:rPr>
+              <a:t>ManyToOne</a:t>
+            </a:r>
+            <a:endParaRPr lang="en-US" dirty="0">
+              <a:highlight>
+                <a:srgbClr val="00FF00"/>
+              </a:highlight>
+              <a:sym typeface="Wingdings" panose="05000000000000000000" pitchFamily="2" charset="2"/>
+            </a:endParaRPr>
+          </a:p>
+          <a:p>
+            <a:pPr lvl="1"/>
+            <a:r>
+              <a:rPr lang="en-US" dirty="0">
+                <a:sym typeface="Wingdings" panose="05000000000000000000" pitchFamily="2" charset="2"/>
+              </a:rPr>
+              <a:t>@</a:t>
             </a:r>
             <a:r>
               <a:rPr lang="en-US" dirty="0" err="1">
                 <a:sym typeface="Wingdings" panose="05000000000000000000" pitchFamily="2" charset="2"/>
               </a:rPr>
-              <a:t>Asc</a:t>
-            </a:r>
-            <a:r>
-              <a:rPr lang="en-US" dirty="0">
-                <a:sym typeface="Wingdings" panose="05000000000000000000" pitchFamily="2" charset="2"/>
-              </a:rPr>
-              <a:t>, Desc</a:t>
-            </a:r>
+              <a:t>ManyToMany</a:t>
+            </a:r>
+            <a:endParaRPr lang="en-US" dirty="0">
+              <a:sym typeface="Wingdings" panose="05000000000000000000" pitchFamily="2" charset="2"/>
+            </a:endParaRPr>
           </a:p>
           <a:p>
             <a:pPr lvl="1"/>
-            <a:r>
-              <a:rPr lang="en-US" dirty="0">
-                <a:sym typeface="Wingdings" panose="05000000000000000000" pitchFamily="2" charset="2"/>
-              </a:rPr>
-              <a:t>Group By  Aggregate Function</a:t>
-            </a:r>
-          </a:p>
-          <a:p>
-            <a:r>
-              <a:rPr lang="en-US" dirty="0"/>
-              <a:t>Criteria</a:t>
-            </a:r>
+            <a:endParaRPr lang="en-US" dirty="0">
+              <a:highlight>
+                <a:srgbClr val="FFFF00"/>
+              </a:highlight>
+              <a:sym typeface="Wingdings" panose="05000000000000000000" pitchFamily="2" charset="2"/>
+            </a:endParaRPr>
           </a:p>
           <a:p>
             <a:pPr lvl="1"/>
-            <a:r>
-              <a:rPr lang="en-US" dirty="0"/>
-              <a:t>Order By </a:t>
-            </a:r>
-            <a:r>
-              <a:rPr lang="en-US" dirty="0">
-                <a:sym typeface="Wingdings" panose="05000000000000000000" pitchFamily="2" charset="2"/>
-              </a:rPr>
-              <a:t> </a:t>
-            </a:r>
-            <a:r>
-              <a:rPr lang="en-US" dirty="0" err="1">
-                <a:sym typeface="Wingdings" panose="05000000000000000000" pitchFamily="2" charset="2"/>
-              </a:rPr>
-              <a:t>Asc</a:t>
-            </a:r>
-            <a:r>
-              <a:rPr lang="en-US" dirty="0">
-                <a:sym typeface="Wingdings" panose="05000000000000000000" pitchFamily="2" charset="2"/>
-              </a:rPr>
-              <a:t>, Desc</a:t>
-            </a:r>
-          </a:p>
-          <a:p>
-            <a:pPr lvl="1"/>
-            <a:r>
-              <a:rPr lang="en-US" dirty="0">
-                <a:sym typeface="Wingdings" panose="05000000000000000000" pitchFamily="2" charset="2"/>
-              </a:rPr>
-              <a:t>Group By  Aggregate Function</a:t>
-            </a:r>
-          </a:p>
-          <a:p>
-            <a:pPr lvl="1"/>
-            <a:r>
-              <a:rPr lang="en-US" dirty="0">
-                <a:sym typeface="Wingdings" panose="05000000000000000000" pitchFamily="2" charset="2"/>
-              </a:rPr>
-              <a:t>Restrictions  Conditions</a:t>
-            </a:r>
-          </a:p>
-          <a:p>
-            <a:pPr lvl="2"/>
-            <a:r>
-              <a:rPr lang="en-US" dirty="0"/>
-              <a:t>AND, OR, NOT</a:t>
-            </a:r>
-          </a:p>
-          <a:p>
-            <a:pPr lvl="1"/>
-            <a:r>
-              <a:rPr lang="en-US" dirty="0"/>
-              <a:t>Set operations </a:t>
-            </a:r>
-            <a:r>
-              <a:rPr lang="en-US" dirty="0">
-                <a:sym typeface="Wingdings" panose="05000000000000000000" pitchFamily="2" charset="2"/>
-              </a:rPr>
-              <a:t> union, intersect, minus</a:t>
-            </a:r>
-            <a:endParaRPr lang="en-US" dirty="0"/>
+            <a:endParaRPr lang="en-US" dirty="0">
+              <a:highlight>
+                <a:srgbClr val="FFFF00"/>
+              </a:highlight>
+            </a:endParaRPr>
           </a:p>
           <a:p>
             <a:endParaRPr lang="en-US" dirty="0"/>
@@ -11579,7 +11716,361 @@
     </p:spTree>
     <p:extLst>
       <p:ext uri="{BB962C8B-B14F-4D97-AF65-F5344CB8AC3E}">
-        <p14:creationId xmlns:p14="http://schemas.microsoft.com/office/powerpoint/2010/main" val="2806086465"/>
+        <p14:creationId xmlns:p14="http://schemas.microsoft.com/office/powerpoint/2010/main" val="4268392176"/>
+      </p:ext>
+    </p:extLst>
+  </p:cSld>
+  <p:clrMapOvr>
+    <a:masterClrMapping/>
+  </p:clrMapOvr>
+</p:sld>
+</file>
+
+<file path=ppt/slides/slide35.xml><?xml version="1.0" encoding="utf-8"?>
+<p:sld xmlns:a="http://schemas.openxmlformats.org/drawingml/2006/main" xmlns:r="http://schemas.openxmlformats.org/officeDocument/2006/relationships" xmlns:p="http://schemas.openxmlformats.org/presentationml/2006/main">
+  <p:cSld>
+    <p:spTree>
+      <p:nvGrpSpPr>
+        <p:cNvPr id="1" name=""/>
+        <p:cNvGrpSpPr/>
+        <p:nvPr/>
+      </p:nvGrpSpPr>
+      <p:grpSpPr>
+        <a:xfrm>
+          <a:off x="0" y="0"/>
+          <a:ext cx="0" cy="0"/>
+          <a:chOff x="0" y="0"/>
+          <a:chExt cx="0" cy="0"/>
+        </a:xfrm>
+      </p:grpSpPr>
+      <p:sp>
+        <p:nvSpPr>
+          <p:cNvPr id="2" name="Title 1">
+            <a:extLst>
+              <a:ext uri="{FF2B5EF4-FFF2-40B4-BE49-F238E27FC236}">
+                <a16:creationId xmlns:a16="http://schemas.microsoft.com/office/drawing/2014/main" id="{E83DE10C-66F9-47E7-9328-82B79F443A47}"/>
+              </a:ext>
+            </a:extLst>
+          </p:cNvPr>
+          <p:cNvSpPr>
+            <a:spLocks noGrp="1"/>
+          </p:cNvSpPr>
+          <p:nvPr>
+            <p:ph type="title"/>
+          </p:nvPr>
+        </p:nvSpPr>
+        <p:spPr/>
+        <p:txBody>
+          <a:bodyPr/>
+          <a:lstStyle/>
+          <a:p>
+            <a:r>
+              <a:rPr lang="en-US" dirty="0"/>
+              <a:t>Fetch Strategy in JPA</a:t>
+            </a:r>
+          </a:p>
+        </p:txBody>
+      </p:sp>
+      <p:sp>
+        <p:nvSpPr>
+          <p:cNvPr id="3" name="Content Placeholder 2">
+            <a:extLst>
+              <a:ext uri="{FF2B5EF4-FFF2-40B4-BE49-F238E27FC236}">
+                <a16:creationId xmlns:a16="http://schemas.microsoft.com/office/drawing/2014/main" id="{746C3BD7-25AE-4446-A5BE-973724C8F9F5}"/>
+              </a:ext>
+            </a:extLst>
+          </p:cNvPr>
+          <p:cNvSpPr>
+            <a:spLocks noGrp="1"/>
+          </p:cNvSpPr>
+          <p:nvPr>
+            <p:ph idx="1"/>
+          </p:nvPr>
+        </p:nvSpPr>
+        <p:spPr/>
+        <p:txBody>
+          <a:bodyPr/>
+          <a:lstStyle/>
+          <a:p>
+            <a:r>
+              <a:rPr lang="en-US" dirty="0"/>
+              <a:t>Eager </a:t>
+            </a:r>
+            <a:r>
+              <a:rPr lang="en-US" dirty="0">
+                <a:sym typeface="Wingdings" panose="05000000000000000000" pitchFamily="2" charset="2"/>
+              </a:rPr>
+              <a:t></a:t>
+            </a:r>
+            <a:r>
+              <a:rPr lang="en-US" dirty="0" err="1">
+                <a:sym typeface="Wingdings" panose="05000000000000000000" pitchFamily="2" charset="2"/>
+              </a:rPr>
+              <a:t>OneToOne</a:t>
+            </a:r>
+            <a:endParaRPr lang="en-US" dirty="0">
+              <a:sym typeface="Wingdings" panose="05000000000000000000" pitchFamily="2" charset="2"/>
+            </a:endParaRPr>
+          </a:p>
+          <a:p>
+            <a:pPr marL="0" indent="0">
+              <a:buNone/>
+            </a:pPr>
+            <a:endParaRPr lang="en-US" dirty="0">
+              <a:sym typeface="Wingdings" panose="05000000000000000000" pitchFamily="2" charset="2"/>
+            </a:endParaRPr>
+          </a:p>
+          <a:p>
+            <a:endParaRPr lang="en-US" dirty="0"/>
+          </a:p>
+          <a:p>
+            <a:r>
+              <a:rPr lang="en-US" dirty="0"/>
+              <a:t>Lazy </a:t>
+            </a:r>
+            <a:r>
+              <a:rPr lang="en-US" dirty="0">
+                <a:sym typeface="Wingdings" panose="05000000000000000000" pitchFamily="2" charset="2"/>
+              </a:rPr>
+              <a:t> </a:t>
+            </a:r>
+            <a:r>
+              <a:rPr lang="en-US" dirty="0" err="1">
+                <a:sym typeface="Wingdings" panose="05000000000000000000" pitchFamily="2" charset="2"/>
+              </a:rPr>
+              <a:t>OneToMany,ManyToOne</a:t>
+            </a:r>
+            <a:r>
+              <a:rPr lang="en-US" dirty="0">
+                <a:sym typeface="Wingdings" panose="05000000000000000000" pitchFamily="2" charset="2"/>
+              </a:rPr>
+              <a:t>, </a:t>
+            </a:r>
+            <a:r>
+              <a:rPr lang="en-US" dirty="0" err="1">
+                <a:sym typeface="Wingdings" panose="05000000000000000000" pitchFamily="2" charset="2"/>
+              </a:rPr>
+              <a:t>ManyToMany</a:t>
+            </a:r>
+            <a:endParaRPr lang="en-US" dirty="0"/>
+          </a:p>
+        </p:txBody>
+      </p:sp>
+    </p:spTree>
+    <p:extLst>
+      <p:ext uri="{BB962C8B-B14F-4D97-AF65-F5344CB8AC3E}">
+        <p14:creationId xmlns:p14="http://schemas.microsoft.com/office/powerpoint/2010/main" val="432393041"/>
+      </p:ext>
+    </p:extLst>
+  </p:cSld>
+  <p:clrMapOvr>
+    <a:masterClrMapping/>
+  </p:clrMapOvr>
+</p:sld>
+</file>
+
+<file path=ppt/slides/slide36.xml><?xml version="1.0" encoding="utf-8"?>
+<p:sld xmlns:a="http://schemas.openxmlformats.org/drawingml/2006/main" xmlns:r="http://schemas.openxmlformats.org/officeDocument/2006/relationships" xmlns:p="http://schemas.openxmlformats.org/presentationml/2006/main">
+  <p:cSld>
+    <p:spTree>
+      <p:nvGrpSpPr>
+        <p:cNvPr id="1" name=""/>
+        <p:cNvGrpSpPr/>
+        <p:nvPr/>
+      </p:nvGrpSpPr>
+      <p:grpSpPr>
+        <a:xfrm>
+          <a:off x="0" y="0"/>
+          <a:ext cx="0" cy="0"/>
+          <a:chOff x="0" y="0"/>
+          <a:chExt cx="0" cy="0"/>
+        </a:xfrm>
+      </p:grpSpPr>
+      <p:sp>
+        <p:nvSpPr>
+          <p:cNvPr id="2" name="Title 1">
+            <a:extLst>
+              <a:ext uri="{FF2B5EF4-FFF2-40B4-BE49-F238E27FC236}">
+                <a16:creationId xmlns:a16="http://schemas.microsoft.com/office/drawing/2014/main" id="{687DBF01-2407-4AF2-8F1C-02FAF66E4FA2}"/>
+              </a:ext>
+            </a:extLst>
+          </p:cNvPr>
+          <p:cNvSpPr>
+            <a:spLocks noGrp="1"/>
+          </p:cNvSpPr>
+          <p:nvPr>
+            <p:ph type="title"/>
+          </p:nvPr>
+        </p:nvSpPr>
+        <p:spPr/>
+        <p:txBody>
+          <a:bodyPr/>
+          <a:lstStyle/>
+          <a:p>
+            <a:r>
+              <a:rPr lang="en-US" dirty="0"/>
+              <a:t>Task – 3</a:t>
+            </a:r>
+            <a:r>
+              <a:rPr lang="en-US" baseline="30000" dirty="0"/>
+              <a:t>rd</a:t>
+            </a:r>
+            <a:r>
+              <a:rPr lang="en-US" dirty="0"/>
+              <a:t> April</a:t>
+            </a:r>
+          </a:p>
+        </p:txBody>
+      </p:sp>
+      <p:sp>
+        <p:nvSpPr>
+          <p:cNvPr id="3" name="Content Placeholder 2">
+            <a:extLst>
+              <a:ext uri="{FF2B5EF4-FFF2-40B4-BE49-F238E27FC236}">
+                <a16:creationId xmlns:a16="http://schemas.microsoft.com/office/drawing/2014/main" id="{D7D23C00-6FB8-4841-A640-20B43006DD25}"/>
+              </a:ext>
+            </a:extLst>
+          </p:cNvPr>
+          <p:cNvSpPr>
+            <a:spLocks noGrp="1"/>
+          </p:cNvSpPr>
+          <p:nvPr>
+            <p:ph idx="1"/>
+          </p:nvPr>
+        </p:nvSpPr>
+        <p:spPr/>
+        <p:txBody>
+          <a:bodyPr/>
+          <a:lstStyle/>
+          <a:p>
+            <a:r>
+              <a:rPr lang="en-US" dirty="0"/>
+              <a:t>Demonstration of all cascade properties</a:t>
+            </a:r>
+          </a:p>
+          <a:p>
+            <a:pPr lvl="1"/>
+            <a:r>
+              <a:rPr lang="en-US" dirty="0" err="1"/>
+              <a:t>CascadeType.ALL</a:t>
+            </a:r>
+            <a:endParaRPr lang="en-US" dirty="0"/>
+          </a:p>
+          <a:p>
+            <a:pPr lvl="1"/>
+            <a:r>
+              <a:rPr lang="en-US" dirty="0" err="1"/>
+              <a:t>CascadeType.PERSIST</a:t>
+            </a:r>
+            <a:endParaRPr lang="en-US" dirty="0"/>
+          </a:p>
+          <a:p>
+            <a:pPr lvl="1"/>
+            <a:r>
+              <a:rPr lang="en-US" dirty="0" err="1"/>
+              <a:t>CascadeType.MERGE</a:t>
+            </a:r>
+            <a:r>
+              <a:rPr lang="en-US" dirty="0"/>
+              <a:t> </a:t>
+            </a:r>
+            <a:r>
+              <a:rPr lang="en-US" dirty="0" err="1"/>
+              <a:t>CascadeType.REMOVE</a:t>
+            </a:r>
+            <a:endParaRPr lang="en-US" dirty="0"/>
+          </a:p>
+          <a:p>
+            <a:pPr lvl="1"/>
+            <a:r>
+              <a:rPr lang="en-US" dirty="0" err="1"/>
+              <a:t>CascadeType.REFRESH</a:t>
+            </a:r>
+            <a:endParaRPr lang="en-US" dirty="0"/>
+          </a:p>
+          <a:p>
+            <a:pPr lvl="1"/>
+            <a:r>
+              <a:rPr lang="en-US" dirty="0" err="1"/>
+              <a:t>CascadeType.DETACH</a:t>
+            </a:r>
+            <a:endParaRPr lang="en-US" dirty="0"/>
+          </a:p>
+          <a:p>
+            <a:r>
+              <a:rPr lang="en-US" dirty="0"/>
+              <a:t>@</a:t>
+            </a:r>
+            <a:r>
+              <a:rPr lang="en-US" dirty="0" err="1"/>
+              <a:t>MapKey</a:t>
+            </a:r>
+            <a:r>
+              <a:rPr lang="en-US" dirty="0"/>
+              <a:t> </a:t>
+            </a:r>
+            <a:r>
+              <a:rPr lang="en-US" dirty="0">
+                <a:sym typeface="Wingdings" panose="05000000000000000000" pitchFamily="2" charset="2"/>
+              </a:rPr>
+              <a:t> Usage with one Example</a:t>
+            </a:r>
+          </a:p>
+          <a:p>
+            <a:r>
+              <a:rPr lang="en-US" dirty="0">
+                <a:sym typeface="Wingdings" panose="05000000000000000000" pitchFamily="2" charset="2"/>
+              </a:rPr>
+              <a:t>@</a:t>
+            </a:r>
+            <a:r>
+              <a:rPr lang="en-US" dirty="0" err="1">
+                <a:sym typeface="Wingdings" panose="05000000000000000000" pitchFamily="2" charset="2"/>
+              </a:rPr>
+              <a:t>manyTomany</a:t>
+            </a:r>
+            <a:r>
+              <a:rPr lang="en-US" dirty="0">
+                <a:sym typeface="Wingdings" panose="05000000000000000000" pitchFamily="2" charset="2"/>
+              </a:rPr>
+              <a:t> </a:t>
+            </a:r>
+          </a:p>
+          <a:p>
+            <a:r>
+              <a:rPr lang="en-US" dirty="0" err="1">
+                <a:sym typeface="Wingdings" panose="05000000000000000000" pitchFamily="2" charset="2"/>
+              </a:rPr>
+              <a:t>HackerRank</a:t>
+            </a:r>
+            <a:r>
+              <a:rPr lang="en-US" dirty="0">
+                <a:sym typeface="Wingdings" panose="05000000000000000000" pitchFamily="2" charset="2"/>
+              </a:rPr>
+              <a:t>   Sample(3).pdf   shortest String</a:t>
+            </a:r>
+            <a:endParaRPr lang="en-US" dirty="0"/>
+          </a:p>
+          <a:p>
+            <a:pPr lvl="1"/>
+            <a:endParaRPr lang="en-US" dirty="0"/>
+          </a:p>
+          <a:p>
+            <a:pPr lvl="1"/>
+            <a:endParaRPr lang="en-US" dirty="0"/>
+          </a:p>
+          <a:p>
+            <a:pPr marL="457200" lvl="1" indent="0">
+              <a:buNone/>
+            </a:pPr>
+            <a:endParaRPr lang="en-US" dirty="0"/>
+          </a:p>
+        </p:txBody>
+      </p:sp>
+    </p:spTree>
+    <p:extLst>
+      <p:ext uri="{BB962C8B-B14F-4D97-AF65-F5344CB8AC3E}">
+        <p14:creationId xmlns:p14="http://schemas.microsoft.com/office/powerpoint/2010/main" val="2728388892"/>
       </p:ext>
     </p:extLst>
   </p:cSld>
